--- a/插件课程文档/插件网络课程.pptx
+++ b/插件课程文档/插件网络课程.pptx
@@ -20,12 +20,18 @@
     <p:sldId id="270" r:id="rId14"/>
     <p:sldId id="276" r:id="rId15"/>
     <p:sldId id="274" r:id="rId16"/>
-    <p:sldId id="263" r:id="rId17"/>
-    <p:sldId id="262" r:id="rId18"/>
-    <p:sldId id="264" r:id="rId19"/>
-    <p:sldId id="265" r:id="rId20"/>
-    <p:sldId id="266" r:id="rId21"/>
-    <p:sldId id="267" r:id="rId22"/>
+    <p:sldId id="277" r:id="rId17"/>
+    <p:sldId id="265" r:id="rId18"/>
+    <p:sldId id="278" r:id="rId19"/>
+    <p:sldId id="263" r:id="rId20"/>
+    <p:sldId id="280" r:id="rId21"/>
+    <p:sldId id="262" r:id="rId22"/>
+    <p:sldId id="279" r:id="rId23"/>
+    <p:sldId id="282" r:id="rId24"/>
+    <p:sldId id="267" r:id="rId25"/>
+    <p:sldId id="281" r:id="rId26"/>
+    <p:sldId id="264" r:id="rId27"/>
+    <p:sldId id="266" r:id="rId28"/>
   </p:sldIdLst>
   <p:sldSz cx="12192000" cy="6858000"/>
   <p:notesSz cx="6858000" cy="9144000"/>
@@ -346,7 +352,7 @@
             <a:fld id="{B61BEF0D-F0BB-DE4B-95CE-6DB70DBA9567}" type="datetimeFigureOut">
               <a:rPr lang="en-US"/>
               <a:pPr/>
-              <a:t>12/22/18</a:t>
+              <a:t>12/23/18</a:t>
             </a:fld>
             <a:endParaRPr lang="en-US"/>
           </a:p>
@@ -639,7 +645,7 @@
             <a:fld id="{B61BEF0D-F0BB-DE4B-95CE-6DB70DBA9567}" type="datetimeFigureOut">
               <a:rPr lang="en-US"/>
               <a:pPr/>
-              <a:t>12/22/18</a:t>
+              <a:t>12/23/18</a:t>
             </a:fld>
             <a:endParaRPr lang="en-US"/>
           </a:p>
@@ -900,7 +906,7 @@
             <a:fld id="{B61BEF0D-F0BB-DE4B-95CE-6DB70DBA9567}" type="datetimeFigureOut">
               <a:rPr lang="en-US"/>
               <a:pPr/>
-              <a:t>12/22/18</a:t>
+              <a:t>12/23/18</a:t>
             </a:fld>
             <a:endParaRPr lang="en-US"/>
           </a:p>
@@ -1376,7 +1382,7 @@
             <a:fld id="{B61BEF0D-F0BB-DE4B-95CE-6DB70DBA9567}" type="datetimeFigureOut">
               <a:rPr lang="en-US"/>
               <a:pPr/>
-              <a:t>12/22/18</a:t>
+              <a:t>12/23/18</a:t>
             </a:fld>
             <a:endParaRPr lang="en-US"/>
           </a:p>
@@ -1558,7 +1564,7 @@
             <a:fld id="{B61BEF0D-F0BB-DE4B-95CE-6DB70DBA9567}" type="datetimeFigureOut">
               <a:rPr lang="en-US"/>
               <a:pPr/>
-              <a:t>12/22/18</a:t>
+              <a:t>12/23/18</a:t>
             </a:fld>
             <a:endParaRPr lang="en-US"/>
           </a:p>
@@ -2141,7 +2147,7 @@
             <a:fld id="{B61BEF0D-F0BB-DE4B-95CE-6DB70DBA9567}" type="datetimeFigureOut">
               <a:rPr lang="en-US"/>
               <a:pPr/>
-              <a:t>12/22/18</a:t>
+              <a:t>12/23/18</a:t>
             </a:fld>
             <a:endParaRPr lang="en-US"/>
           </a:p>
@@ -2480,7 +2486,7 @@
             <a:fld id="{B61BEF0D-F0BB-DE4B-95CE-6DB70DBA9567}" type="datetimeFigureOut">
               <a:rPr lang="en-US"/>
               <a:pPr/>
-              <a:t>12/22/18</a:t>
+              <a:t>12/23/18</a:t>
             </a:fld>
             <a:endParaRPr lang="en-US"/>
           </a:p>
@@ -2628,7 +2634,7 @@
             <a:fld id="{B61BEF0D-F0BB-DE4B-95CE-6DB70DBA9567}" type="datetimeFigureOut">
               <a:rPr lang="en-US"/>
               <a:pPr/>
-              <a:t>12/22/18</a:t>
+              <a:t>12/23/18</a:t>
             </a:fld>
             <a:endParaRPr lang="en-US"/>
           </a:p>
@@ -2781,7 +2787,7 @@
             <a:fld id="{B61BEF0D-F0BB-DE4B-95CE-6DB70DBA9567}" type="datetimeFigureOut">
               <a:rPr lang="en-US"/>
               <a:pPr/>
-              <a:t>12/22/18</a:t>
+              <a:t>12/23/18</a:t>
             </a:fld>
             <a:endParaRPr lang="en-US"/>
           </a:p>
@@ -2924,7 +2930,7 @@
             <a:fld id="{B61BEF0D-F0BB-DE4B-95CE-6DB70DBA9567}" type="datetimeFigureOut">
               <a:rPr lang="en-US"/>
               <a:pPr/>
-              <a:t>12/22/18</a:t>
+              <a:t>12/23/18</a:t>
             </a:fld>
             <a:endParaRPr lang="en-US"/>
           </a:p>
@@ -3183,7 +3189,7 @@
             <a:fld id="{B61BEF0D-F0BB-DE4B-95CE-6DB70DBA9567}" type="datetimeFigureOut">
               <a:rPr lang="en-US"/>
               <a:pPr/>
-              <a:t>12/22/18</a:t>
+              <a:t>12/23/18</a:t>
             </a:fld>
             <a:endParaRPr lang="en-US"/>
           </a:p>
@@ -3424,7 +3430,7 @@
             <a:fld id="{B61BEF0D-F0BB-DE4B-95CE-6DB70DBA9567}" type="datetimeFigureOut">
               <a:rPr lang="en-US"/>
               <a:pPr/>
-              <a:t>12/22/18</a:t>
+              <a:t>12/23/18</a:t>
             </a:fld>
             <a:endParaRPr lang="en-US"/>
           </a:p>
@@ -3813,7 +3819,7 @@
             <a:fld id="{B61BEF0D-F0BB-DE4B-95CE-6DB70DBA9567}" type="datetimeFigureOut">
               <a:rPr lang="en-US"/>
               <a:pPr/>
-              <a:t>12/22/18</a:t>
+              <a:t>12/23/18</a:t>
             </a:fld>
             <a:endParaRPr lang="en-US"/>
           </a:p>
@@ -3928,7 +3934,7 @@
             <a:fld id="{B61BEF0D-F0BB-DE4B-95CE-6DB70DBA9567}" type="datetimeFigureOut">
               <a:rPr lang="en-US"/>
               <a:pPr/>
-              <a:t>12/22/18</a:t>
+              <a:t>12/23/18</a:t>
             </a:fld>
             <a:endParaRPr lang="en-US"/>
           </a:p>
@@ -4020,7 +4026,7 @@
             <a:fld id="{B61BEF0D-F0BB-DE4B-95CE-6DB70DBA9567}" type="datetimeFigureOut">
               <a:rPr lang="en-US"/>
               <a:pPr/>
-              <a:t>12/22/18</a:t>
+              <a:t>12/23/18</a:t>
             </a:fld>
             <a:endParaRPr lang="en-US"/>
           </a:p>
@@ -4281,7 +4287,7 @@
             <a:fld id="{B61BEF0D-F0BB-DE4B-95CE-6DB70DBA9567}" type="datetimeFigureOut">
               <a:rPr lang="en-US"/>
               <a:pPr/>
-              <a:t>12/22/18</a:t>
+              <a:t>12/23/18</a:t>
             </a:fld>
             <a:endParaRPr lang="en-US"/>
           </a:p>
@@ -4574,7 +4580,7 @@
             <a:fld id="{B61BEF0D-F0BB-DE4B-95CE-6DB70DBA9567}" type="datetimeFigureOut">
               <a:rPr lang="en-US"/>
               <a:pPr/>
-              <a:t>12/22/18</a:t>
+              <a:t>12/23/18</a:t>
             </a:fld>
             <a:endParaRPr lang="en-US"/>
           </a:p>
@@ -4781,7 +4787,7 @@
             <a:fld id="{B61BEF0D-F0BB-DE4B-95CE-6DB70DBA9567}" type="datetimeFigureOut">
               <a:rPr lang="en-US"/>
               <a:pPr/>
-              <a:t>12/22/18</a:t>
+              <a:t>12/23/18</a:t>
             </a:fld>
             <a:endParaRPr lang="en-US"/>
           </a:p>
@@ -7077,6 +7083,534 @@
           <p:cNvPr id="2" name="标题 1">
             <a:extLst>
               <a:ext uri="{FF2B5EF4-FFF2-40B4-BE49-F238E27FC236}">
+                <a16:creationId xmlns:a16="http://schemas.microsoft.com/office/drawing/2014/main" id="{606E9E31-C563-3E41-8CD8-8F95ED88E922}"/>
+              </a:ext>
+            </a:extLst>
+          </p:cNvPr>
+          <p:cNvSpPr>
+            <a:spLocks noGrp="1"/>
+          </p:cNvSpPr>
+          <p:nvPr>
+            <p:ph type="title"/>
+          </p:nvPr>
+        </p:nvSpPr>
+        <p:spPr/>
+        <p:txBody>
+          <a:bodyPr/>
+          <a:lstStyle/>
+          <a:p>
+            <a:r>
+              <a:rPr kumimoji="1" lang="zh-CN" altLang="en-US" dirty="0">
+                <a:solidFill>
+                  <a:srgbClr val="FFFF00"/>
+                </a:solidFill>
+              </a:rPr>
+              <a:t>插件进阶篇</a:t>
+            </a:r>
+          </a:p>
+        </p:txBody>
+      </p:sp>
+      <p:sp>
+        <p:nvSpPr>
+          <p:cNvPr id="3" name="内容占位符 2">
+            <a:extLst>
+              <a:ext uri="{FF2B5EF4-FFF2-40B4-BE49-F238E27FC236}">
+                <a16:creationId xmlns:a16="http://schemas.microsoft.com/office/drawing/2014/main" id="{81FC29D2-5500-DE4C-A647-0BBFF55E9C49}"/>
+              </a:ext>
+            </a:extLst>
+          </p:cNvPr>
+          <p:cNvSpPr>
+            <a:spLocks noGrp="1"/>
+          </p:cNvSpPr>
+          <p:nvPr>
+            <p:ph idx="1"/>
+          </p:nvPr>
+        </p:nvSpPr>
+        <p:spPr>
+          <a:xfrm>
+            <a:off x="1141413" y="1974272"/>
+            <a:ext cx="9905998" cy="3124201"/>
+          </a:xfrm>
+        </p:spPr>
+        <p:txBody>
+          <a:bodyPr/>
+          <a:lstStyle/>
+          <a:p>
+            <a:r>
+              <a:rPr kumimoji="1" lang="zh-CN" altLang="en-US" dirty="0">
+                <a:solidFill>
+                  <a:srgbClr val="FFFF00"/>
+                </a:solidFill>
+              </a:rPr>
+              <a:t>多面板插件</a:t>
+            </a:r>
+            <a:endParaRPr kumimoji="1" lang="en-US" altLang="zh-CN" dirty="0">
+              <a:solidFill>
+                <a:srgbClr val="FFFF00"/>
+              </a:solidFill>
+            </a:endParaRPr>
+          </a:p>
+          <a:p>
+            <a:r>
+              <a:rPr kumimoji="1" lang="en-US" altLang="zh-CN" dirty="0" err="1">
+                <a:solidFill>
+                  <a:srgbClr val="FFFF00"/>
+                </a:solidFill>
+              </a:rPr>
+              <a:t>ipc</a:t>
+            </a:r>
+            <a:r>
+              <a:rPr kumimoji="1" lang="zh-CN" altLang="en-US" dirty="0">
+                <a:solidFill>
+                  <a:srgbClr val="FFFF00"/>
+                </a:solidFill>
+              </a:rPr>
+              <a:t>消息通讯</a:t>
+            </a:r>
+          </a:p>
+        </p:txBody>
+      </p:sp>
+      <p:sp>
+        <p:nvSpPr>
+          <p:cNvPr id="4" name="文本框 3">
+            <a:extLst>
+              <a:ext uri="{FF2B5EF4-FFF2-40B4-BE49-F238E27FC236}">
+                <a16:creationId xmlns:a16="http://schemas.microsoft.com/office/drawing/2014/main" id="{A8149E88-E0C1-9546-A745-98A0C4EB6180}"/>
+              </a:ext>
+            </a:extLst>
+          </p:cNvPr>
+          <p:cNvSpPr txBox="1"/>
+          <p:nvPr/>
+        </p:nvSpPr>
+        <p:spPr>
+          <a:xfrm>
+            <a:off x="1427017" y="4488873"/>
+            <a:ext cx="5955476" cy="369332"/>
+          </a:xfrm>
+          <a:prstGeom prst="rect">
+            <a:avLst/>
+          </a:prstGeom>
+          <a:noFill/>
+        </p:spPr>
+        <p:txBody>
+          <a:bodyPr wrap="none" rtlCol="0">
+            <a:spAutoFit/>
+          </a:bodyPr>
+          <a:lstStyle/>
+          <a:p>
+            <a:r>
+              <a:rPr kumimoji="1" lang="zh-CN" altLang="en-US" dirty="0"/>
+              <a:t>进阶篇内容量少，但是知识点涉及较多，做好心理准备！</a:t>
+            </a:r>
+          </a:p>
+        </p:txBody>
+      </p:sp>
+    </p:spTree>
+    <p:extLst>
+      <p:ext uri="{BB962C8B-B14F-4D97-AF65-F5344CB8AC3E}">
+        <p14:creationId xmlns:p14="http://schemas.microsoft.com/office/powerpoint/2010/main" val="556512316"/>
+      </p:ext>
+    </p:extLst>
+  </p:cSld>
+  <p:clrMapOvr>
+    <a:masterClrMapping/>
+  </p:clrMapOvr>
+</p:sld>
+</file>
+
+<file path=ppt/slides/slide17.xml><?xml version="1.0" encoding="utf-8"?>
+<p:sld xmlns:a="http://schemas.openxmlformats.org/drawingml/2006/main" xmlns:r="http://schemas.openxmlformats.org/officeDocument/2006/relationships" xmlns:p="http://schemas.openxmlformats.org/presentationml/2006/main">
+  <p:cSld>
+    <p:spTree>
+      <p:nvGrpSpPr>
+        <p:cNvPr id="1" name=""/>
+        <p:cNvGrpSpPr/>
+        <p:nvPr/>
+      </p:nvGrpSpPr>
+      <p:grpSpPr>
+        <a:xfrm>
+          <a:off x="0" y="0"/>
+          <a:ext cx="0" cy="0"/>
+          <a:chOff x="0" y="0"/>
+          <a:chExt cx="0" cy="0"/>
+        </a:xfrm>
+      </p:grpSpPr>
+      <p:sp>
+        <p:nvSpPr>
+          <p:cNvPr id="2" name="标题 1">
+            <a:extLst>
+              <a:ext uri="{FF2B5EF4-FFF2-40B4-BE49-F238E27FC236}">
+                <a16:creationId xmlns:a16="http://schemas.microsoft.com/office/drawing/2014/main" id="{6FEB1EA1-5DA7-0041-8068-8F34CE3C7EE2}"/>
+              </a:ext>
+            </a:extLst>
+          </p:cNvPr>
+          <p:cNvSpPr>
+            <a:spLocks noGrp="1"/>
+          </p:cNvSpPr>
+          <p:nvPr>
+            <p:ph type="title"/>
+          </p:nvPr>
+        </p:nvSpPr>
+        <p:spPr/>
+        <p:txBody>
+          <a:bodyPr/>
+          <a:lstStyle/>
+          <a:p>
+            <a:r>
+              <a:rPr kumimoji="1" lang="zh-CN" altLang="en-US" dirty="0">
+                <a:solidFill>
+                  <a:srgbClr val="FFFF00"/>
+                </a:solidFill>
+              </a:rPr>
+              <a:t>多面板插件</a:t>
+            </a:r>
+            <a:r>
+              <a:rPr kumimoji="1" lang="en-US" altLang="zh-CN" cap="none" dirty="0">
+                <a:solidFill>
+                  <a:srgbClr val="FFFF00"/>
+                </a:solidFill>
+              </a:rPr>
+              <a:t>(cc-inspector+)</a:t>
+            </a:r>
+            <a:endParaRPr kumimoji="1" lang="zh-CN" altLang="en-US" cap="none" dirty="0">
+              <a:solidFill>
+                <a:srgbClr val="FFFF00"/>
+              </a:solidFill>
+            </a:endParaRPr>
+          </a:p>
+        </p:txBody>
+      </p:sp>
+      <p:pic>
+        <p:nvPicPr>
+          <p:cNvPr id="5" name="内容占位符 4">
+            <a:extLst>
+              <a:ext uri="{FF2B5EF4-FFF2-40B4-BE49-F238E27FC236}">
+                <a16:creationId xmlns:a16="http://schemas.microsoft.com/office/drawing/2014/main" id="{9768364A-B9E5-4743-B856-A403CE7EBACD}"/>
+              </a:ext>
+            </a:extLst>
+          </p:cNvPr>
+          <p:cNvPicPr>
+            <a:picLocks noGrp="1" noChangeAspect="1"/>
+          </p:cNvPicPr>
+          <p:nvPr>
+            <p:ph idx="1"/>
+          </p:nvPr>
+        </p:nvPicPr>
+        <p:blipFill>
+          <a:blip r:embed="rId2"/>
+          <a:stretch>
+            <a:fillRect/>
+          </a:stretch>
+        </p:blipFill>
+        <p:spPr>
+          <a:xfrm>
+            <a:off x="384939" y="2100545"/>
+            <a:ext cx="6440654" cy="4535782"/>
+          </a:xfrm>
+          <a:prstGeom prst="rect">
+            <a:avLst/>
+          </a:prstGeom>
+        </p:spPr>
+      </p:pic>
+      <p:pic>
+        <p:nvPicPr>
+          <p:cNvPr id="4" name="图片 3">
+            <a:extLst>
+              <a:ext uri="{FF2B5EF4-FFF2-40B4-BE49-F238E27FC236}">
+                <a16:creationId xmlns:a16="http://schemas.microsoft.com/office/drawing/2014/main" id="{0D45D404-8EA5-C044-BA09-85F2BF20E5E6}"/>
+              </a:ext>
+            </a:extLst>
+          </p:cNvPr>
+          <p:cNvPicPr>
+            <a:picLocks noChangeAspect="1"/>
+          </p:cNvPicPr>
+          <p:nvPr/>
+        </p:nvPicPr>
+        <p:blipFill>
+          <a:blip r:embed="rId3"/>
+          <a:stretch>
+            <a:fillRect/>
+          </a:stretch>
+        </p:blipFill>
+        <p:spPr>
+          <a:xfrm>
+            <a:off x="7037671" y="2100545"/>
+            <a:ext cx="5486838" cy="3236618"/>
+          </a:xfrm>
+          <a:prstGeom prst="rect">
+            <a:avLst/>
+          </a:prstGeom>
+        </p:spPr>
+      </p:pic>
+    </p:spTree>
+    <p:extLst>
+      <p:ext uri="{BB962C8B-B14F-4D97-AF65-F5344CB8AC3E}">
+        <p14:creationId xmlns:p14="http://schemas.microsoft.com/office/powerpoint/2010/main" val="4251610896"/>
+      </p:ext>
+    </p:extLst>
+  </p:cSld>
+  <p:clrMapOvr>
+    <a:masterClrMapping/>
+  </p:clrMapOvr>
+</p:sld>
+</file>
+
+<file path=ppt/slides/slide18.xml><?xml version="1.0" encoding="utf-8"?>
+<p:sld xmlns:a="http://schemas.openxmlformats.org/drawingml/2006/main" xmlns:r="http://schemas.openxmlformats.org/officeDocument/2006/relationships" xmlns:p="http://schemas.openxmlformats.org/presentationml/2006/main">
+  <p:cSld>
+    <p:spTree>
+      <p:nvGrpSpPr>
+        <p:cNvPr id="1" name=""/>
+        <p:cNvGrpSpPr/>
+        <p:nvPr/>
+      </p:nvGrpSpPr>
+      <p:grpSpPr>
+        <a:xfrm>
+          <a:off x="0" y="0"/>
+          <a:ext cx="0" cy="0"/>
+          <a:chOff x="0" y="0"/>
+          <a:chExt cx="0" cy="0"/>
+        </a:xfrm>
+      </p:grpSpPr>
+      <p:sp>
+        <p:nvSpPr>
+          <p:cNvPr id="2" name="标题 1">
+            <a:extLst>
+              <a:ext uri="{FF2B5EF4-FFF2-40B4-BE49-F238E27FC236}">
+                <a16:creationId xmlns:a16="http://schemas.microsoft.com/office/drawing/2014/main" id="{126B0783-BEF4-924A-8241-BA6CC0C3C43A}"/>
+              </a:ext>
+            </a:extLst>
+          </p:cNvPr>
+          <p:cNvSpPr>
+            <a:spLocks noGrp="1"/>
+          </p:cNvSpPr>
+          <p:nvPr>
+            <p:ph type="title"/>
+          </p:nvPr>
+        </p:nvSpPr>
+        <p:spPr/>
+        <p:txBody>
+          <a:bodyPr/>
+          <a:lstStyle/>
+          <a:p>
+            <a:r>
+              <a:rPr kumimoji="1" lang="zh-CN" altLang="en-US" dirty="0">
+                <a:solidFill>
+                  <a:srgbClr val="FFFF00"/>
+                </a:solidFill>
+              </a:rPr>
+              <a:t>多面板布局</a:t>
+            </a:r>
+          </a:p>
+        </p:txBody>
+      </p:sp>
+      <p:sp>
+        <p:nvSpPr>
+          <p:cNvPr id="3" name="内容占位符 2">
+            <a:extLst>
+              <a:ext uri="{FF2B5EF4-FFF2-40B4-BE49-F238E27FC236}">
+                <a16:creationId xmlns:a16="http://schemas.microsoft.com/office/drawing/2014/main" id="{2260BEB9-95DD-4B45-AA08-F97C08EA2017}"/>
+              </a:ext>
+            </a:extLst>
+          </p:cNvPr>
+          <p:cNvSpPr>
+            <a:spLocks noGrp="1"/>
+          </p:cNvSpPr>
+          <p:nvPr>
+            <p:ph idx="1"/>
+          </p:nvPr>
+        </p:nvSpPr>
+        <p:spPr>
+          <a:xfrm>
+            <a:off x="1141413" y="2076449"/>
+            <a:ext cx="9905998" cy="699656"/>
+          </a:xfrm>
+        </p:spPr>
+        <p:txBody>
+          <a:bodyPr>
+            <a:normAutofit lnSpcReduction="10000"/>
+          </a:bodyPr>
+          <a:lstStyle/>
+          <a:p>
+            <a:r>
+              <a:rPr lang="en" altLang="zh-CN" cap="none" dirty="0">
+                <a:solidFill>
+                  <a:srgbClr val="FFFF00"/>
+                </a:solidFill>
+                <a:latin typeface="Consolas" panose="020B0609020204030204" pitchFamily="49" charset="0"/>
+                <a:cs typeface="Consolas" panose="020B0609020204030204" pitchFamily="49" charset="0"/>
+              </a:rPr>
+              <a:t>Editor.</a:t>
+            </a:r>
+            <a:r>
+              <a:rPr lang="en" altLang="zh-CN" cap="none" dirty="0">
+                <a:solidFill>
+                  <a:srgbClr val="FFFF00"/>
+                </a:solidFill>
+                <a:effectLst/>
+                <a:latin typeface="Consolas" panose="020B0609020204030204" pitchFamily="49" charset="0"/>
+                <a:cs typeface="Consolas" panose="020B0609020204030204" pitchFamily="49" charset="0"/>
+              </a:rPr>
+              <a:t>Window</a:t>
+            </a:r>
+            <a:r>
+              <a:rPr lang="en" altLang="zh-CN" cap="none" dirty="0">
+                <a:solidFill>
+                  <a:srgbClr val="FFFF00"/>
+                </a:solidFill>
+                <a:latin typeface="Consolas" panose="020B0609020204030204" pitchFamily="49" charset="0"/>
+                <a:cs typeface="Consolas" panose="020B0609020204030204" pitchFamily="49" charset="0"/>
+              </a:rPr>
+              <a:t>.main.resetLayout</a:t>
+            </a:r>
+            <a:r>
+              <a:rPr lang="en" altLang="zh-CN" dirty="0">
+                <a:solidFill>
+                  <a:srgbClr val="FFFF00"/>
+                </a:solidFill>
+                <a:latin typeface="Consolas" panose="020B0609020204030204" pitchFamily="49" charset="0"/>
+                <a:cs typeface="Consolas" panose="020B0609020204030204" pitchFamily="49" charset="0"/>
+              </a:rPr>
+              <a:t>(</a:t>
+            </a:r>
+            <a:r>
+              <a:rPr lang="en" altLang="zh-CN" dirty="0">
+                <a:solidFill>
+                  <a:srgbClr val="FFFF00"/>
+                </a:solidFill>
+                <a:effectLst/>
+                <a:latin typeface="Consolas" panose="020B0609020204030204" pitchFamily="49" charset="0"/>
+                <a:cs typeface="Consolas" panose="020B0609020204030204" pitchFamily="49" charset="0"/>
+              </a:rPr>
+              <a:t>"</a:t>
+            </a:r>
+            <a:r>
+              <a:rPr lang="en" altLang="zh-CN" cap="none" dirty="0">
+                <a:solidFill>
+                  <a:srgbClr val="FFFF00"/>
+                </a:solidFill>
+                <a:effectLst/>
+                <a:latin typeface="Consolas" panose="020B0609020204030204" pitchFamily="49" charset="0"/>
+                <a:cs typeface="Consolas" panose="020B0609020204030204" pitchFamily="49" charset="0"/>
+              </a:rPr>
+              <a:t>packages://plugin/</a:t>
+            </a:r>
+            <a:r>
+              <a:rPr lang="en" altLang="zh-CN" cap="none" dirty="0" err="1">
+                <a:solidFill>
+                  <a:srgbClr val="FFFF00"/>
+                </a:solidFill>
+                <a:effectLst/>
+                <a:latin typeface="Consolas" panose="020B0609020204030204" pitchFamily="49" charset="0"/>
+                <a:cs typeface="Consolas" panose="020B0609020204030204" pitchFamily="49" charset="0"/>
+              </a:rPr>
+              <a:t>layout.json</a:t>
+            </a:r>
+            <a:r>
+              <a:rPr lang="en" altLang="zh-CN" dirty="0">
+                <a:solidFill>
+                  <a:srgbClr val="FFFF00"/>
+                </a:solidFill>
+                <a:effectLst/>
+                <a:latin typeface="Consolas" panose="020B0609020204030204" pitchFamily="49" charset="0"/>
+                <a:cs typeface="Consolas" panose="020B0609020204030204" pitchFamily="49" charset="0"/>
+              </a:rPr>
+              <a:t>"</a:t>
+            </a:r>
+            <a:r>
+              <a:rPr lang="en" altLang="zh-CN" dirty="0">
+                <a:solidFill>
+                  <a:srgbClr val="FFFF00"/>
+                </a:solidFill>
+                <a:latin typeface="Consolas" panose="020B0609020204030204" pitchFamily="49" charset="0"/>
+                <a:cs typeface="Consolas" panose="020B0609020204030204" pitchFamily="49" charset="0"/>
+              </a:rPr>
+              <a:t>);</a:t>
+            </a:r>
+            <a:br>
+              <a:rPr lang="en" altLang="zh-CN" dirty="0">
+                <a:solidFill>
+                  <a:srgbClr val="FFFF00"/>
+                </a:solidFill>
+                <a:latin typeface="Consolas" panose="020B0609020204030204" pitchFamily="49" charset="0"/>
+                <a:cs typeface="Consolas" panose="020B0609020204030204" pitchFamily="49" charset="0"/>
+              </a:rPr>
+            </a:br>
+            <a:endParaRPr kumimoji="1" lang="zh-CN" altLang="en-US" dirty="0">
+              <a:solidFill>
+                <a:srgbClr val="FFFF00"/>
+              </a:solidFill>
+              <a:latin typeface="Consolas" panose="020B0609020204030204" pitchFamily="49" charset="0"/>
+              <a:cs typeface="Consolas" panose="020B0609020204030204" pitchFamily="49" charset="0"/>
+            </a:endParaRPr>
+          </a:p>
+        </p:txBody>
+      </p:sp>
+      <p:pic>
+        <p:nvPicPr>
+          <p:cNvPr id="4" name="图片 3">
+            <a:extLst>
+              <a:ext uri="{FF2B5EF4-FFF2-40B4-BE49-F238E27FC236}">
+                <a16:creationId xmlns:a16="http://schemas.microsoft.com/office/drawing/2014/main" id="{940B2B0B-DFE9-D544-A984-DF0245552A95}"/>
+              </a:ext>
+            </a:extLst>
+          </p:cNvPr>
+          <p:cNvPicPr>
+            <a:picLocks noChangeAspect="1"/>
+          </p:cNvPicPr>
+          <p:nvPr/>
+        </p:nvPicPr>
+        <p:blipFill>
+          <a:blip r:embed="rId2"/>
+          <a:stretch>
+            <a:fillRect/>
+          </a:stretch>
+        </p:blipFill>
+        <p:spPr>
+          <a:xfrm>
+            <a:off x="1504373" y="2514600"/>
+            <a:ext cx="7493000" cy="4305300"/>
+          </a:xfrm>
+          <a:prstGeom prst="rect">
+            <a:avLst/>
+          </a:prstGeom>
+        </p:spPr>
+      </p:pic>
+    </p:spTree>
+    <p:extLst>
+      <p:ext uri="{BB962C8B-B14F-4D97-AF65-F5344CB8AC3E}">
+        <p14:creationId xmlns:p14="http://schemas.microsoft.com/office/powerpoint/2010/main" val="688947328"/>
+      </p:ext>
+    </p:extLst>
+  </p:cSld>
+  <p:clrMapOvr>
+    <a:masterClrMapping/>
+  </p:clrMapOvr>
+</p:sld>
+</file>
+
+<file path=ppt/slides/slide19.xml><?xml version="1.0" encoding="utf-8"?>
+<p:sld xmlns:a="http://schemas.openxmlformats.org/drawingml/2006/main" xmlns:r="http://schemas.openxmlformats.org/officeDocument/2006/relationships" xmlns:p="http://schemas.openxmlformats.org/presentationml/2006/main">
+  <p:cSld>
+    <p:spTree>
+      <p:nvGrpSpPr>
+        <p:cNvPr id="1" name=""/>
+        <p:cNvGrpSpPr/>
+        <p:nvPr/>
+      </p:nvGrpSpPr>
+      <p:grpSpPr>
+        <a:xfrm>
+          <a:off x="0" y="0"/>
+          <a:ext cx="0" cy="0"/>
+          <a:chOff x="0" y="0"/>
+          <a:chExt cx="0" cy="0"/>
+        </a:xfrm>
+      </p:grpSpPr>
+      <p:sp>
+        <p:nvSpPr>
+          <p:cNvPr id="2" name="标题 1">
+            <a:extLst>
+              <a:ext uri="{FF2B5EF4-FFF2-40B4-BE49-F238E27FC236}">
                 <a16:creationId xmlns:a16="http://schemas.microsoft.com/office/drawing/2014/main" id="{F915B81A-AC91-0F40-AA51-1EFB8309B05A}"/>
               </a:ext>
             </a:extLst>
@@ -7094,6 +7628,14 @@
           <a:lstStyle/>
           <a:p>
             <a:r>
+              <a:rPr kumimoji="1" lang="zh-CN" altLang="en-US" dirty="0">
+                <a:solidFill>
+                  <a:srgbClr val="FFFF00"/>
+                </a:solidFill>
+              </a:rPr>
+              <a:t>多面板之间如何通讯？（</a:t>
+            </a:r>
+            <a:r>
               <a:rPr kumimoji="1" lang="en-US" altLang="zh-CN" dirty="0">
                 <a:solidFill>
                   <a:srgbClr val="FFFF00"/>
@@ -7101,11 +7643,14 @@
               </a:rPr>
               <a:t>IPC</a:t>
             </a:r>
-            <a:endParaRPr kumimoji="1" lang="zh-CN" altLang="en-US" dirty="0">
-              <a:solidFill>
-                <a:srgbClr val="FFFF00"/>
-              </a:solidFill>
-            </a:endParaRPr>
+            <a:r>
+              <a:rPr kumimoji="1" lang="zh-CN" altLang="en-US" dirty="0">
+                <a:solidFill>
+                  <a:srgbClr val="FFFF00"/>
+                </a:solidFill>
+              </a:rPr>
+              <a:t>）</a:t>
+            </a:r>
           </a:p>
         </p:txBody>
       </p:sp>
@@ -7304,318 +7849,6 @@
     <p:extLst>
       <p:ext uri="{BB962C8B-B14F-4D97-AF65-F5344CB8AC3E}">
         <p14:creationId xmlns:p14="http://schemas.microsoft.com/office/powerpoint/2010/main" val="1283119116"/>
-      </p:ext>
-    </p:extLst>
-  </p:cSld>
-  <p:clrMapOvr>
-    <a:masterClrMapping/>
-  </p:clrMapOvr>
-</p:sld>
-</file>
-
-<file path=ppt/slides/slide17.xml><?xml version="1.0" encoding="utf-8"?>
-<p:sld xmlns:a="http://schemas.openxmlformats.org/drawingml/2006/main" xmlns:r="http://schemas.openxmlformats.org/officeDocument/2006/relationships" xmlns:p="http://schemas.openxmlformats.org/presentationml/2006/main">
-  <p:cSld>
-    <p:spTree>
-      <p:nvGrpSpPr>
-        <p:cNvPr id="1" name=""/>
-        <p:cNvGrpSpPr/>
-        <p:nvPr/>
-      </p:nvGrpSpPr>
-      <p:grpSpPr>
-        <a:xfrm>
-          <a:off x="0" y="0"/>
-          <a:ext cx="0" cy="0"/>
-          <a:chOff x="0" y="0"/>
-          <a:chExt cx="0" cy="0"/>
-        </a:xfrm>
-      </p:grpSpPr>
-      <p:sp>
-        <p:nvSpPr>
-          <p:cNvPr id="2" name="标题 1">
-            <a:extLst>
-              <a:ext uri="{FF2B5EF4-FFF2-40B4-BE49-F238E27FC236}">
-                <a16:creationId xmlns:a16="http://schemas.microsoft.com/office/drawing/2014/main" id="{F5152568-EC59-CE4F-833E-5F7D27508767}"/>
-              </a:ext>
-            </a:extLst>
-          </p:cNvPr>
-          <p:cNvSpPr>
-            <a:spLocks noGrp="1"/>
-          </p:cNvSpPr>
-          <p:nvPr>
-            <p:ph type="title"/>
-          </p:nvPr>
-        </p:nvSpPr>
-        <p:spPr/>
-        <p:txBody>
-          <a:bodyPr/>
-          <a:lstStyle/>
-          <a:p>
-            <a:r>
-              <a:rPr kumimoji="1" lang="zh-CN" altLang="en-US" cap="none" dirty="0">
-                <a:solidFill>
-                  <a:srgbClr val="FFFF00"/>
-                </a:solidFill>
-              </a:rPr>
-              <a:t>重新认识</a:t>
-            </a:r>
-            <a:r>
-              <a:rPr kumimoji="1" lang="en-US" altLang="zh-CN" cap="none" dirty="0" err="1">
-                <a:solidFill>
-                  <a:srgbClr val="FFFF00"/>
-                </a:solidFill>
-              </a:rPr>
-              <a:t>package</a:t>
-            </a:r>
-            <a:r>
-              <a:rPr kumimoji="1" lang="en-US" altLang="zh-CN" dirty="0" err="1">
-                <a:solidFill>
-                  <a:srgbClr val="FFFF00"/>
-                </a:solidFill>
-              </a:rPr>
-              <a:t>.</a:t>
-            </a:r>
-            <a:r>
-              <a:rPr kumimoji="1" lang="en-US" altLang="zh-CN" cap="none" dirty="0" err="1">
-                <a:solidFill>
-                  <a:srgbClr val="FFFF00"/>
-                </a:solidFill>
-              </a:rPr>
-              <a:t>json</a:t>
-            </a:r>
-            <a:endParaRPr kumimoji="1" lang="zh-CN" altLang="en-US" cap="none" dirty="0">
-              <a:solidFill>
-                <a:srgbClr val="FFFF00"/>
-              </a:solidFill>
-            </a:endParaRPr>
-          </a:p>
-        </p:txBody>
-      </p:sp>
-      <p:sp>
-        <p:nvSpPr>
-          <p:cNvPr id="3" name="内容占位符 2">
-            <a:extLst>
-              <a:ext uri="{FF2B5EF4-FFF2-40B4-BE49-F238E27FC236}">
-                <a16:creationId xmlns:a16="http://schemas.microsoft.com/office/drawing/2014/main" id="{B90AE5B7-A6E2-4945-983F-8E803A6715C3}"/>
-              </a:ext>
-            </a:extLst>
-          </p:cNvPr>
-          <p:cNvSpPr>
-            <a:spLocks noGrp="1"/>
-          </p:cNvSpPr>
-          <p:nvPr>
-            <p:ph idx="1"/>
-          </p:nvPr>
-        </p:nvSpPr>
-        <p:spPr/>
-        <p:txBody>
-          <a:bodyPr/>
-          <a:lstStyle/>
-          <a:p>
-            <a:endParaRPr kumimoji="1" lang="zh-CN" altLang="en-US" dirty="0"/>
-          </a:p>
-        </p:txBody>
-      </p:sp>
-    </p:spTree>
-    <p:extLst>
-      <p:ext uri="{BB962C8B-B14F-4D97-AF65-F5344CB8AC3E}">
-        <p14:creationId xmlns:p14="http://schemas.microsoft.com/office/powerpoint/2010/main" val="3900612044"/>
-      </p:ext>
-    </p:extLst>
-  </p:cSld>
-  <p:clrMapOvr>
-    <a:masterClrMapping/>
-  </p:clrMapOvr>
-</p:sld>
-</file>
-
-<file path=ppt/slides/slide18.xml><?xml version="1.0" encoding="utf-8"?>
-<p:sld xmlns:a="http://schemas.openxmlformats.org/drawingml/2006/main" xmlns:r="http://schemas.openxmlformats.org/officeDocument/2006/relationships" xmlns:p="http://schemas.openxmlformats.org/presentationml/2006/main">
-  <p:cSld>
-    <p:spTree>
-      <p:nvGrpSpPr>
-        <p:cNvPr id="1" name=""/>
-        <p:cNvGrpSpPr/>
-        <p:nvPr/>
-      </p:nvGrpSpPr>
-      <p:grpSpPr>
-        <a:xfrm>
-          <a:off x="0" y="0"/>
-          <a:ext cx="0" cy="0"/>
-          <a:chOff x="0" y="0"/>
-          <a:chExt cx="0" cy="0"/>
-        </a:xfrm>
-      </p:grpSpPr>
-      <p:sp>
-        <p:nvSpPr>
-          <p:cNvPr id="2" name="标题 1">
-            <a:extLst>
-              <a:ext uri="{FF2B5EF4-FFF2-40B4-BE49-F238E27FC236}">
-                <a16:creationId xmlns:a16="http://schemas.microsoft.com/office/drawing/2014/main" id="{B277A0A2-DD42-3B4D-B7AC-31790C368AB0}"/>
-              </a:ext>
-            </a:extLst>
-          </p:cNvPr>
-          <p:cNvSpPr>
-            <a:spLocks noGrp="1"/>
-          </p:cNvSpPr>
-          <p:nvPr>
-            <p:ph type="title"/>
-          </p:nvPr>
-        </p:nvSpPr>
-        <p:spPr/>
-        <p:txBody>
-          <a:bodyPr/>
-          <a:lstStyle/>
-          <a:p>
-            <a:r>
-              <a:rPr kumimoji="1" lang="zh-CN" altLang="en-US"/>
-              <a:t>扩展自定义属性面板</a:t>
-            </a:r>
-          </a:p>
-        </p:txBody>
-      </p:sp>
-      <p:sp>
-        <p:nvSpPr>
-          <p:cNvPr id="3" name="内容占位符 2">
-            <a:extLst>
-              <a:ext uri="{FF2B5EF4-FFF2-40B4-BE49-F238E27FC236}">
-                <a16:creationId xmlns:a16="http://schemas.microsoft.com/office/drawing/2014/main" id="{A8D559E7-859D-F64D-8C4D-0B86D0F068FF}"/>
-              </a:ext>
-            </a:extLst>
-          </p:cNvPr>
-          <p:cNvSpPr>
-            <a:spLocks noGrp="1"/>
-          </p:cNvSpPr>
-          <p:nvPr>
-            <p:ph idx="1"/>
-          </p:nvPr>
-        </p:nvSpPr>
-        <p:spPr/>
-        <p:txBody>
-          <a:bodyPr/>
-          <a:lstStyle/>
-          <a:p>
-            <a:endParaRPr kumimoji="1" lang="zh-CN" altLang="en-US"/>
-          </a:p>
-        </p:txBody>
-      </p:sp>
-    </p:spTree>
-    <p:extLst>
-      <p:ext uri="{BB962C8B-B14F-4D97-AF65-F5344CB8AC3E}">
-        <p14:creationId xmlns:p14="http://schemas.microsoft.com/office/powerpoint/2010/main" val="2983068308"/>
-      </p:ext>
-    </p:extLst>
-  </p:cSld>
-  <p:clrMapOvr>
-    <a:masterClrMapping/>
-  </p:clrMapOvr>
-</p:sld>
-</file>
-
-<file path=ppt/slides/slide19.xml><?xml version="1.0" encoding="utf-8"?>
-<p:sld xmlns:a="http://schemas.openxmlformats.org/drawingml/2006/main" xmlns:r="http://schemas.openxmlformats.org/officeDocument/2006/relationships" xmlns:p="http://schemas.openxmlformats.org/presentationml/2006/main">
-  <p:cSld>
-    <p:spTree>
-      <p:nvGrpSpPr>
-        <p:cNvPr id="1" name=""/>
-        <p:cNvGrpSpPr/>
-        <p:nvPr/>
-      </p:nvGrpSpPr>
-      <p:grpSpPr>
-        <a:xfrm>
-          <a:off x="0" y="0"/>
-          <a:ext cx="0" cy="0"/>
-          <a:chOff x="0" y="0"/>
-          <a:chExt cx="0" cy="0"/>
-        </a:xfrm>
-      </p:grpSpPr>
-      <p:sp>
-        <p:nvSpPr>
-          <p:cNvPr id="2" name="标题 1">
-            <a:extLst>
-              <a:ext uri="{FF2B5EF4-FFF2-40B4-BE49-F238E27FC236}">
-                <a16:creationId xmlns:a16="http://schemas.microsoft.com/office/drawing/2014/main" id="{6FEB1EA1-5DA7-0041-8068-8F34CE3C7EE2}"/>
-              </a:ext>
-            </a:extLst>
-          </p:cNvPr>
-          <p:cNvSpPr>
-            <a:spLocks noGrp="1"/>
-          </p:cNvSpPr>
-          <p:nvPr>
-            <p:ph type="title"/>
-          </p:nvPr>
-        </p:nvSpPr>
-        <p:spPr/>
-        <p:txBody>
-          <a:bodyPr/>
-          <a:lstStyle/>
-          <a:p>
-            <a:r>
-              <a:rPr kumimoji="1" lang="zh-CN" altLang="en-US" dirty="0"/>
-              <a:t>多面板插件</a:t>
-            </a:r>
-          </a:p>
-        </p:txBody>
-      </p:sp>
-      <p:sp>
-        <p:nvSpPr>
-          <p:cNvPr id="3" name="内容占位符 2">
-            <a:extLst>
-              <a:ext uri="{FF2B5EF4-FFF2-40B4-BE49-F238E27FC236}">
-                <a16:creationId xmlns:a16="http://schemas.microsoft.com/office/drawing/2014/main" id="{F6351735-6B61-5B4C-9BFE-87AB3BB0C031}"/>
-              </a:ext>
-            </a:extLst>
-          </p:cNvPr>
-          <p:cNvSpPr>
-            <a:spLocks noGrp="1"/>
-          </p:cNvSpPr>
-          <p:nvPr>
-            <p:ph idx="1"/>
-          </p:nvPr>
-        </p:nvSpPr>
-        <p:spPr/>
-        <p:txBody>
-          <a:bodyPr/>
-          <a:lstStyle/>
-          <a:p>
-            <a:endParaRPr kumimoji="1" lang="zh-CN" altLang="en-US"/>
-          </a:p>
-        </p:txBody>
-      </p:sp>
-      <p:pic>
-        <p:nvPicPr>
-          <p:cNvPr id="4" name="图片 3">
-            <a:extLst>
-              <a:ext uri="{FF2B5EF4-FFF2-40B4-BE49-F238E27FC236}">
-                <a16:creationId xmlns:a16="http://schemas.microsoft.com/office/drawing/2014/main" id="{0D45D404-8EA5-C044-BA09-85F2BF20E5E6}"/>
-              </a:ext>
-            </a:extLst>
-          </p:cNvPr>
-          <p:cNvPicPr>
-            <a:picLocks noChangeAspect="1"/>
-          </p:cNvPicPr>
-          <p:nvPr/>
-        </p:nvPicPr>
-        <p:blipFill>
-          <a:blip r:embed="rId2"/>
-          <a:stretch>
-            <a:fillRect/>
-          </a:stretch>
-        </p:blipFill>
-        <p:spPr>
-          <a:xfrm>
-            <a:off x="1141413" y="2514600"/>
-            <a:ext cx="5486838" cy="3236618"/>
-          </a:xfrm>
-          <a:prstGeom prst="rect">
-            <a:avLst/>
-          </a:prstGeom>
-        </p:spPr>
-      </p:pic>
-    </p:spTree>
-    <p:extLst>
-      <p:ext uri="{BB962C8B-B14F-4D97-AF65-F5344CB8AC3E}">
-        <p14:creationId xmlns:p14="http://schemas.microsoft.com/office/powerpoint/2010/main" val="4251610896"/>
       </p:ext>
     </p:extLst>
   </p:cSld>
@@ -7974,7 +8207,7 @@
           <p:cNvPr id="2" name="标题 1">
             <a:extLst>
               <a:ext uri="{FF2B5EF4-FFF2-40B4-BE49-F238E27FC236}">
-                <a16:creationId xmlns:a16="http://schemas.microsoft.com/office/drawing/2014/main" id="{43482256-7608-DD4D-8160-1116C95D33EA}"/>
+                <a16:creationId xmlns:a16="http://schemas.microsoft.com/office/drawing/2014/main" id="{EBEB052A-7415-1840-B660-A903FD5FF766}"/>
               </a:ext>
             </a:extLst>
           </p:cNvPr>
@@ -7991,8 +8224,12 @@
           <a:lstStyle/>
           <a:p>
             <a:r>
-              <a:rPr kumimoji="1" lang="zh-CN" altLang="en-US"/>
-              <a:t>个人插件源码解读</a:t>
+              <a:rPr kumimoji="1" lang="zh-CN" altLang="en-US" dirty="0">
+                <a:solidFill>
+                  <a:srgbClr val="FFFF00"/>
+                </a:solidFill>
+              </a:rPr>
+              <a:t>问题：对于插件，哪些是主进程？哪些是渲染进程？</a:t>
             </a:r>
           </a:p>
         </p:txBody>
@@ -8002,7 +8239,7 @@
           <p:cNvPr id="3" name="内容占位符 2">
             <a:extLst>
               <a:ext uri="{FF2B5EF4-FFF2-40B4-BE49-F238E27FC236}">
-                <a16:creationId xmlns:a16="http://schemas.microsoft.com/office/drawing/2014/main" id="{69EF708A-E911-7D4F-ADA4-A459731964ED}"/>
+                <a16:creationId xmlns:a16="http://schemas.microsoft.com/office/drawing/2014/main" id="{FB35D505-D004-2049-B733-9E9056A88858}"/>
               </a:ext>
             </a:extLst>
           </p:cNvPr>
@@ -8013,19 +8250,209 @@
             <p:ph idx="1"/>
           </p:nvPr>
         </p:nvSpPr>
-        <p:spPr/>
+        <p:spPr>
+          <a:xfrm>
+            <a:off x="1141413" y="2292348"/>
+            <a:ext cx="3492356" cy="1752601"/>
+          </a:xfrm>
+        </p:spPr>
         <p:txBody>
           <a:bodyPr/>
           <a:lstStyle/>
           <a:p>
-            <a:endParaRPr kumimoji="1" lang="zh-CN" altLang="en-US"/>
+            <a:r>
+              <a:rPr kumimoji="1" lang="en-US" altLang="zh-CN" cap="none" dirty="0">
+                <a:solidFill>
+                  <a:srgbClr val="FFFF00"/>
+                </a:solidFill>
+                <a:latin typeface="Consolas" panose="020B0609020204030204" pitchFamily="49" charset="0"/>
+                <a:cs typeface="Consolas" panose="020B0609020204030204" pitchFamily="49" charset="0"/>
+              </a:rPr>
+              <a:t>package.json</a:t>
+            </a:r>
+          </a:p>
+          <a:p>
+            <a:pPr lvl="1"/>
+            <a:r>
+              <a:rPr kumimoji="1" lang="en-US" altLang="zh-CN" cap="none" dirty="0">
+                <a:solidFill>
+                  <a:srgbClr val="FFFF00"/>
+                </a:solidFill>
+                <a:latin typeface="Consolas" panose="020B0609020204030204" pitchFamily="49" charset="0"/>
+                <a:cs typeface="Consolas" panose="020B0609020204030204" pitchFamily="49" charset="0"/>
+              </a:rPr>
+              <a:t>main</a:t>
+            </a:r>
+            <a:r>
+              <a:rPr kumimoji="1" lang="zh-CN" altLang="en-US" cap="none" dirty="0">
+                <a:solidFill>
+                  <a:srgbClr val="FFFF00"/>
+                </a:solidFill>
+                <a:latin typeface="Consolas" panose="020B0609020204030204" pitchFamily="49" charset="0"/>
+                <a:cs typeface="Consolas" panose="020B0609020204030204" pitchFamily="49" charset="0"/>
+              </a:rPr>
+              <a:t>：主进程</a:t>
+            </a:r>
+            <a:endParaRPr kumimoji="1" lang="en-US" altLang="zh-CN" cap="none" dirty="0">
+              <a:solidFill>
+                <a:srgbClr val="FFFF00"/>
+              </a:solidFill>
+              <a:latin typeface="Consolas" panose="020B0609020204030204" pitchFamily="49" charset="0"/>
+              <a:cs typeface="Consolas" panose="020B0609020204030204" pitchFamily="49" charset="0"/>
+            </a:endParaRPr>
+          </a:p>
+          <a:p>
+            <a:pPr lvl="1"/>
+            <a:r>
+              <a:rPr kumimoji="1" lang="en-US" altLang="zh-CN" cap="none" dirty="0">
+                <a:solidFill>
+                  <a:srgbClr val="FFFF00"/>
+                </a:solidFill>
+                <a:latin typeface="Consolas" panose="020B0609020204030204" pitchFamily="49" charset="0"/>
+                <a:cs typeface="Consolas" panose="020B0609020204030204" pitchFamily="49" charset="0"/>
+              </a:rPr>
+              <a:t>panel</a:t>
+            </a:r>
+            <a:r>
+              <a:rPr kumimoji="1" lang="zh-CN" altLang="en-US" cap="none" dirty="0">
+                <a:solidFill>
+                  <a:srgbClr val="FFFF00"/>
+                </a:solidFill>
+                <a:latin typeface="Consolas" panose="020B0609020204030204" pitchFamily="49" charset="0"/>
+                <a:cs typeface="Consolas" panose="020B0609020204030204" pitchFamily="49" charset="0"/>
+              </a:rPr>
+              <a:t>：渲染进程</a:t>
+            </a:r>
+            <a:endParaRPr kumimoji="1" lang="en-US" altLang="zh-CN" cap="none" dirty="0">
+              <a:solidFill>
+                <a:srgbClr val="FFFF00"/>
+              </a:solidFill>
+              <a:latin typeface="Consolas" panose="020B0609020204030204" pitchFamily="49" charset="0"/>
+              <a:cs typeface="Consolas" panose="020B0609020204030204" pitchFamily="49" charset="0"/>
+            </a:endParaRPr>
+          </a:p>
+          <a:p>
+            <a:pPr marL="457200" lvl="1" indent="0">
+              <a:buNone/>
+            </a:pPr>
+            <a:endParaRPr kumimoji="1" lang="zh-CN" altLang="en-US" cap="none" dirty="0">
+              <a:solidFill>
+                <a:srgbClr val="FFFF00"/>
+              </a:solidFill>
+              <a:latin typeface="Consolas" panose="020B0609020204030204" pitchFamily="49" charset="0"/>
+              <a:cs typeface="Consolas" panose="020B0609020204030204" pitchFamily="49" charset="0"/>
+            </a:endParaRPr>
+          </a:p>
+        </p:txBody>
+      </p:sp>
+      <p:pic>
+        <p:nvPicPr>
+          <p:cNvPr id="4" name="图片 3">
+            <a:extLst>
+              <a:ext uri="{FF2B5EF4-FFF2-40B4-BE49-F238E27FC236}">
+                <a16:creationId xmlns:a16="http://schemas.microsoft.com/office/drawing/2014/main" id="{9D7ECFB1-FE4A-6046-BCD5-21282C7CE0AB}"/>
+              </a:ext>
+            </a:extLst>
+          </p:cNvPr>
+          <p:cNvPicPr>
+            <a:picLocks noChangeAspect="1"/>
+          </p:cNvPicPr>
+          <p:nvPr/>
+        </p:nvPicPr>
+        <p:blipFill>
+          <a:blip r:embed="rId2"/>
+          <a:stretch>
+            <a:fillRect/>
+          </a:stretch>
+        </p:blipFill>
+        <p:spPr>
+          <a:xfrm>
+            <a:off x="4633769" y="2139949"/>
+            <a:ext cx="6997700" cy="4178300"/>
+          </a:xfrm>
+          <a:prstGeom prst="rect">
+            <a:avLst/>
+          </a:prstGeom>
+        </p:spPr>
+      </p:pic>
+      <p:sp>
+        <p:nvSpPr>
+          <p:cNvPr id="5" name="文本框 4">
+            <a:extLst>
+              <a:ext uri="{FF2B5EF4-FFF2-40B4-BE49-F238E27FC236}">
+                <a16:creationId xmlns:a16="http://schemas.microsoft.com/office/drawing/2014/main" id="{B0279F07-D45F-DD45-B33C-0D28F529D6EE}"/>
+              </a:ext>
+            </a:extLst>
+          </p:cNvPr>
+          <p:cNvSpPr txBox="1"/>
+          <p:nvPr/>
+        </p:nvSpPr>
+        <p:spPr>
+          <a:xfrm>
+            <a:off x="1343891" y="4890655"/>
+            <a:ext cx="2717411" cy="923330"/>
+          </a:xfrm>
+          <a:prstGeom prst="rect">
+            <a:avLst/>
+          </a:prstGeom>
+          <a:noFill/>
+        </p:spPr>
+        <p:txBody>
+          <a:bodyPr wrap="none" rtlCol="0">
+            <a:spAutoFit/>
+          </a:bodyPr>
+          <a:lstStyle/>
+          <a:p>
+            <a:r>
+              <a:rPr kumimoji="1" lang="zh-CN" altLang="en-US" dirty="0">
+                <a:solidFill>
+                  <a:srgbClr val="92D050"/>
+                </a:solidFill>
+                <a:latin typeface="Consolas" panose="020B0609020204030204" pitchFamily="49" charset="0"/>
+                <a:cs typeface="Consolas" panose="020B0609020204030204" pitchFamily="49" charset="0"/>
+              </a:rPr>
+              <a:t>判断方法：</a:t>
+            </a:r>
+            <a:endParaRPr kumimoji="1" lang="en-US" altLang="zh-CN" dirty="0">
+              <a:solidFill>
+                <a:srgbClr val="92D050"/>
+              </a:solidFill>
+              <a:latin typeface="Consolas" panose="020B0609020204030204" pitchFamily="49" charset="0"/>
+              <a:cs typeface="Consolas" panose="020B0609020204030204" pitchFamily="49" charset="0"/>
+            </a:endParaRPr>
+          </a:p>
+          <a:p>
+            <a:endParaRPr kumimoji="1" lang="en-US" altLang="zh-CN" dirty="0">
+              <a:solidFill>
+                <a:srgbClr val="92D050"/>
+              </a:solidFill>
+              <a:latin typeface="Consolas" panose="020B0609020204030204" pitchFamily="49" charset="0"/>
+              <a:cs typeface="Consolas" panose="020B0609020204030204" pitchFamily="49" charset="0"/>
+            </a:endParaRPr>
+          </a:p>
+          <a:p>
+            <a:r>
+              <a:rPr kumimoji="1" lang="en-US" altLang="zh-CN" dirty="0" err="1">
+                <a:solidFill>
+                  <a:srgbClr val="92D050"/>
+                </a:solidFill>
+                <a:latin typeface="Consolas" panose="020B0609020204030204" pitchFamily="49" charset="0"/>
+                <a:cs typeface="Consolas" panose="020B0609020204030204" pitchFamily="49" charset="0"/>
+              </a:rPr>
+              <a:t>Editor.isMainProcess</a:t>
+            </a:r>
+            <a:endParaRPr kumimoji="1" lang="zh-CN" altLang="en-US" dirty="0">
+              <a:solidFill>
+                <a:srgbClr val="92D050"/>
+              </a:solidFill>
+            </a:endParaRPr>
           </a:p>
         </p:txBody>
       </p:sp>
     </p:spTree>
     <p:extLst>
       <p:ext uri="{BB962C8B-B14F-4D97-AF65-F5344CB8AC3E}">
-        <p14:creationId xmlns:p14="http://schemas.microsoft.com/office/powerpoint/2010/main" val="4119868384"/>
+        <p14:creationId xmlns:p14="http://schemas.microsoft.com/office/powerpoint/2010/main" val="2711583955"/>
       </p:ext>
     </p:extLst>
   </p:cSld>
@@ -8057,6 +8484,1240 @@
           <p:cNvPr id="2" name="标题 1">
             <a:extLst>
               <a:ext uri="{FF2B5EF4-FFF2-40B4-BE49-F238E27FC236}">
+                <a16:creationId xmlns:a16="http://schemas.microsoft.com/office/drawing/2014/main" id="{F5152568-EC59-CE4F-833E-5F7D27508767}"/>
+              </a:ext>
+            </a:extLst>
+          </p:cNvPr>
+          <p:cNvSpPr>
+            <a:spLocks noGrp="1"/>
+          </p:cNvSpPr>
+          <p:nvPr>
+            <p:ph type="title"/>
+          </p:nvPr>
+        </p:nvSpPr>
+        <p:spPr/>
+        <p:txBody>
+          <a:bodyPr/>
+          <a:lstStyle/>
+          <a:p>
+            <a:r>
+              <a:rPr kumimoji="1" lang="en-US" altLang="zh-CN" cap="none" dirty="0">
+                <a:solidFill>
+                  <a:srgbClr val="FFFF00"/>
+                </a:solidFill>
+                <a:latin typeface="Consolas" panose="020B0609020204030204" pitchFamily="49" charset="0"/>
+                <a:cs typeface="Consolas" panose="020B0609020204030204" pitchFamily="49" charset="0"/>
+              </a:rPr>
+              <a:t>Editor.Ipc</a:t>
+            </a:r>
+            <a:endParaRPr kumimoji="1" lang="zh-CN" altLang="en-US" cap="none" dirty="0">
+              <a:solidFill>
+                <a:srgbClr val="FFFF00"/>
+              </a:solidFill>
+              <a:latin typeface="Consolas" panose="020B0609020204030204" pitchFamily="49" charset="0"/>
+              <a:cs typeface="Consolas" panose="020B0609020204030204" pitchFamily="49" charset="0"/>
+            </a:endParaRPr>
+          </a:p>
+        </p:txBody>
+      </p:sp>
+      <p:sp>
+        <p:nvSpPr>
+          <p:cNvPr id="3" name="内容占位符 2">
+            <a:extLst>
+              <a:ext uri="{FF2B5EF4-FFF2-40B4-BE49-F238E27FC236}">
+                <a16:creationId xmlns:a16="http://schemas.microsoft.com/office/drawing/2014/main" id="{B90AE5B7-A6E2-4945-983F-8E803A6715C3}"/>
+              </a:ext>
+            </a:extLst>
+          </p:cNvPr>
+          <p:cNvSpPr>
+            <a:spLocks noGrp="1"/>
+          </p:cNvSpPr>
+          <p:nvPr>
+            <p:ph idx="1"/>
+          </p:nvPr>
+        </p:nvSpPr>
+        <p:spPr/>
+        <p:txBody>
+          <a:bodyPr/>
+          <a:lstStyle/>
+          <a:p>
+            <a:r>
+              <a:rPr lang="zh-CN" altLang="en" cap="none" dirty="0">
+                <a:solidFill>
+                  <a:srgbClr val="FFFF00"/>
+                </a:solidFill>
+                <a:latin typeface="Consolas" panose="020B0609020204030204" pitchFamily="49" charset="0"/>
+                <a:cs typeface="Consolas" panose="020B0609020204030204" pitchFamily="49" charset="0"/>
+              </a:rPr>
+              <a:t>发送</a:t>
+            </a:r>
+            <a:r>
+              <a:rPr lang="zh-CN" altLang="en-US" cap="none" dirty="0">
+                <a:solidFill>
+                  <a:srgbClr val="FFFF00"/>
+                </a:solidFill>
+                <a:latin typeface="Consolas" panose="020B0609020204030204" pitchFamily="49" charset="0"/>
+                <a:cs typeface="Consolas" panose="020B0609020204030204" pitchFamily="49" charset="0"/>
+              </a:rPr>
+              <a:t>到面板：</a:t>
+            </a:r>
+            <a:endParaRPr lang="en-US" altLang="zh-CN" cap="none" dirty="0">
+              <a:solidFill>
+                <a:srgbClr val="FFFF00"/>
+              </a:solidFill>
+              <a:latin typeface="Consolas" panose="020B0609020204030204" pitchFamily="49" charset="0"/>
+              <a:cs typeface="Consolas" panose="020B0609020204030204" pitchFamily="49" charset="0"/>
+            </a:endParaRPr>
+          </a:p>
+          <a:p>
+            <a:pPr lvl="1"/>
+            <a:r>
+              <a:rPr lang="en" altLang="zh-CN" cap="none" dirty="0">
+                <a:solidFill>
+                  <a:srgbClr val="FFFF00"/>
+                </a:solidFill>
+                <a:latin typeface="Consolas" panose="020B0609020204030204" pitchFamily="49" charset="0"/>
+                <a:cs typeface="Consolas" panose="020B0609020204030204" pitchFamily="49" charset="0"/>
+              </a:rPr>
+              <a:t>Editor.Ipc.sendToPanel</a:t>
+            </a:r>
+            <a:r>
+              <a:rPr lang="en-US" altLang="zh-CN" cap="none" dirty="0">
+                <a:solidFill>
+                  <a:srgbClr val="FFFF00"/>
+                </a:solidFill>
+                <a:latin typeface="Consolas" panose="020B0609020204030204" pitchFamily="49" charset="0"/>
+                <a:cs typeface="Consolas" panose="020B0609020204030204" pitchFamily="49" charset="0"/>
+              </a:rPr>
+              <a:t>(</a:t>
+            </a:r>
+            <a:r>
+              <a:rPr lang="zh-CN" altLang="en-US" cap="none" dirty="0">
+                <a:solidFill>
+                  <a:srgbClr val="FFFF00"/>
+                </a:solidFill>
+                <a:latin typeface="Consolas" panose="020B0609020204030204" pitchFamily="49" charset="0"/>
+                <a:cs typeface="Consolas" panose="020B0609020204030204" pitchFamily="49" charset="0"/>
+              </a:rPr>
+              <a:t>插件面板</a:t>
+            </a:r>
+            <a:r>
+              <a:rPr lang="en-US" altLang="zh-CN" cap="none" dirty="0">
+                <a:solidFill>
+                  <a:srgbClr val="FFFF00"/>
+                </a:solidFill>
+                <a:latin typeface="Consolas" panose="020B0609020204030204" pitchFamily="49" charset="0"/>
+                <a:cs typeface="Consolas" panose="020B0609020204030204" pitchFamily="49" charset="0"/>
+              </a:rPr>
+              <a:t>,</a:t>
+            </a:r>
+            <a:r>
+              <a:rPr lang="zh-CN" altLang="en-US" cap="none" dirty="0">
+                <a:solidFill>
+                  <a:srgbClr val="FFFF00"/>
+                </a:solidFill>
+                <a:latin typeface="Consolas" panose="020B0609020204030204" pitchFamily="49" charset="0"/>
+                <a:cs typeface="Consolas" panose="020B0609020204030204" pitchFamily="49" charset="0"/>
+              </a:rPr>
+              <a:t>面板消息</a:t>
+            </a:r>
+            <a:r>
+              <a:rPr lang="en-US" altLang="zh-CN" cap="none" dirty="0">
+                <a:solidFill>
+                  <a:srgbClr val="FFFF00"/>
+                </a:solidFill>
+                <a:latin typeface="Consolas" panose="020B0609020204030204" pitchFamily="49" charset="0"/>
+                <a:cs typeface="Consolas" panose="020B0609020204030204" pitchFamily="49" charset="0"/>
+              </a:rPr>
+              <a:t>,</a:t>
+            </a:r>
+            <a:r>
+              <a:rPr lang="zh-CN" altLang="en-US" cap="none" dirty="0">
+                <a:solidFill>
+                  <a:srgbClr val="FFFF00"/>
+                </a:solidFill>
+                <a:latin typeface="Consolas" panose="020B0609020204030204" pitchFamily="49" charset="0"/>
+                <a:cs typeface="Consolas" panose="020B0609020204030204" pitchFamily="49" charset="0"/>
+              </a:rPr>
+              <a:t>发送数据</a:t>
+            </a:r>
+            <a:r>
+              <a:rPr lang="en-US" altLang="zh-CN" cap="none" dirty="0">
+                <a:solidFill>
+                  <a:srgbClr val="FFFF00"/>
+                </a:solidFill>
+                <a:latin typeface="Consolas" panose="020B0609020204030204" pitchFamily="49" charset="0"/>
+                <a:cs typeface="Consolas" panose="020B0609020204030204" pitchFamily="49" charset="0"/>
+              </a:rPr>
+              <a:t>,</a:t>
+            </a:r>
+            <a:r>
+              <a:rPr lang="zh-CN" altLang="en-US" cap="none" dirty="0">
+                <a:solidFill>
+                  <a:srgbClr val="FFFF00"/>
+                </a:solidFill>
+                <a:latin typeface="Consolas" panose="020B0609020204030204" pitchFamily="49" charset="0"/>
+                <a:cs typeface="Consolas" panose="020B0609020204030204" pitchFamily="49" charset="0"/>
+              </a:rPr>
+              <a:t> </a:t>
+            </a:r>
+            <a:r>
+              <a:rPr lang="en-US" altLang="zh-CN" cap="none" dirty="0">
+                <a:solidFill>
+                  <a:srgbClr val="FFFF00"/>
+                </a:solidFill>
+                <a:latin typeface="Consolas" panose="020B0609020204030204" pitchFamily="49" charset="0"/>
+                <a:cs typeface="Consolas" panose="020B0609020204030204" pitchFamily="49" charset="0"/>
+              </a:rPr>
+              <a:t>callBack);</a:t>
+            </a:r>
+          </a:p>
+          <a:p>
+            <a:pPr lvl="1"/>
+            <a:r>
+              <a:rPr lang="en" altLang="zh-CN" cap="none" dirty="0">
+                <a:solidFill>
+                  <a:srgbClr val="92D050"/>
+                </a:solidFill>
+                <a:latin typeface="Consolas" panose="020B0609020204030204" pitchFamily="49" charset="0"/>
+                <a:cs typeface="Consolas" panose="020B0609020204030204" pitchFamily="49" charset="0"/>
+              </a:rPr>
+              <a:t>Editor.Ipc.sendToPanel(</a:t>
+            </a:r>
+            <a:r>
+              <a:rPr lang="en" altLang="zh-CN" cap="none" dirty="0">
+                <a:solidFill>
+                  <a:srgbClr val="92D050"/>
+                </a:solidFill>
+                <a:effectLst/>
+                <a:latin typeface="Consolas" panose="020B0609020204030204" pitchFamily="49" charset="0"/>
+                <a:cs typeface="Consolas" panose="020B0609020204030204" pitchFamily="49" charset="0"/>
+              </a:rPr>
+              <a:t>"hello-world.page2"</a:t>
+            </a:r>
+            <a:r>
+              <a:rPr lang="en" altLang="zh-CN" cap="none" dirty="0">
+                <a:solidFill>
+                  <a:srgbClr val="92D050"/>
+                </a:solidFill>
+                <a:latin typeface="Consolas" panose="020B0609020204030204" pitchFamily="49" charset="0"/>
+                <a:cs typeface="Consolas" panose="020B0609020204030204" pitchFamily="49" charset="0"/>
+              </a:rPr>
+              <a:t>, </a:t>
+            </a:r>
+            <a:r>
+              <a:rPr lang="en" altLang="zh-CN" cap="none" dirty="0">
+                <a:solidFill>
+                  <a:srgbClr val="92D050"/>
+                </a:solidFill>
+                <a:effectLst/>
+                <a:latin typeface="Consolas" panose="020B0609020204030204" pitchFamily="49" charset="0"/>
+                <a:cs typeface="Consolas" panose="020B0609020204030204" pitchFamily="49" charset="0"/>
+              </a:rPr>
+              <a:t>"onPage2"</a:t>
+            </a:r>
+            <a:r>
+              <a:rPr lang="en" altLang="zh-CN" cap="none" dirty="0">
+                <a:solidFill>
+                  <a:srgbClr val="92D050"/>
+                </a:solidFill>
+                <a:latin typeface="Consolas" panose="020B0609020204030204" pitchFamily="49" charset="0"/>
+                <a:cs typeface="Consolas" panose="020B0609020204030204" pitchFamily="49" charset="0"/>
+              </a:rPr>
+              <a:t>, </a:t>
+            </a:r>
+            <a:r>
+              <a:rPr lang="en" altLang="zh-CN" cap="none" dirty="0">
+                <a:solidFill>
+                  <a:srgbClr val="92D050"/>
+                </a:solidFill>
+                <a:effectLst/>
+                <a:latin typeface="Consolas" panose="020B0609020204030204" pitchFamily="49" charset="0"/>
+                <a:cs typeface="Consolas" panose="020B0609020204030204" pitchFamily="49" charset="0"/>
+              </a:rPr>
+              <a:t>”</a:t>
+            </a:r>
+            <a:r>
+              <a:rPr lang="en-US" altLang="zh-CN" cap="none" dirty="0">
+                <a:solidFill>
+                  <a:srgbClr val="92D050"/>
+                </a:solidFill>
+                <a:effectLst/>
+                <a:latin typeface="Consolas" panose="020B0609020204030204" pitchFamily="49" charset="0"/>
+                <a:cs typeface="Consolas" panose="020B0609020204030204" pitchFamily="49" charset="0"/>
+              </a:rPr>
+              <a:t>data</a:t>
+            </a:r>
+            <a:r>
+              <a:rPr lang="en" altLang="zh-CN" cap="none" dirty="0">
+                <a:solidFill>
+                  <a:srgbClr val="92D050"/>
+                </a:solidFill>
+                <a:effectLst/>
+                <a:latin typeface="Consolas" panose="020B0609020204030204" pitchFamily="49" charset="0"/>
+                <a:cs typeface="Consolas" panose="020B0609020204030204" pitchFamily="49" charset="0"/>
+              </a:rPr>
+              <a:t>"</a:t>
+            </a:r>
+            <a:r>
+              <a:rPr lang="en" altLang="zh-CN" cap="none" dirty="0">
+                <a:solidFill>
+                  <a:srgbClr val="92D050"/>
+                </a:solidFill>
+                <a:latin typeface="Consolas" panose="020B0609020204030204" pitchFamily="49" charset="0"/>
+                <a:cs typeface="Consolas" panose="020B0609020204030204" pitchFamily="49" charset="0"/>
+              </a:rPr>
+              <a:t>);</a:t>
+            </a:r>
+            <a:endParaRPr lang="en-US" altLang="zh-CN" cap="none" dirty="0">
+              <a:solidFill>
+                <a:srgbClr val="92D050"/>
+              </a:solidFill>
+              <a:latin typeface="Consolas" panose="020B0609020204030204" pitchFamily="49" charset="0"/>
+              <a:cs typeface="Consolas" panose="020B0609020204030204" pitchFamily="49" charset="0"/>
+            </a:endParaRPr>
+          </a:p>
+          <a:p>
+            <a:r>
+              <a:rPr lang="zh-CN" altLang="en" cap="none" dirty="0">
+                <a:solidFill>
+                  <a:srgbClr val="FFFF00"/>
+                </a:solidFill>
+                <a:effectLst/>
+                <a:latin typeface="Consolas" panose="020B0609020204030204" pitchFamily="49" charset="0"/>
+                <a:cs typeface="Consolas" panose="020B0609020204030204" pitchFamily="49" charset="0"/>
+              </a:rPr>
+              <a:t>发送</a:t>
+            </a:r>
+            <a:r>
+              <a:rPr lang="zh-CN" altLang="en-US" cap="none" dirty="0">
+                <a:solidFill>
+                  <a:srgbClr val="FFFF00"/>
+                </a:solidFill>
+                <a:effectLst/>
+                <a:latin typeface="Consolas" panose="020B0609020204030204" pitchFamily="49" charset="0"/>
+                <a:cs typeface="Consolas" panose="020B0609020204030204" pitchFamily="49" charset="0"/>
+              </a:rPr>
+              <a:t>到主进程：</a:t>
+            </a:r>
+            <a:endParaRPr lang="en-US" altLang="zh-CN" cap="none" dirty="0">
+              <a:solidFill>
+                <a:srgbClr val="FFFF00"/>
+              </a:solidFill>
+              <a:effectLst/>
+              <a:latin typeface="Consolas" panose="020B0609020204030204" pitchFamily="49" charset="0"/>
+              <a:cs typeface="Consolas" panose="020B0609020204030204" pitchFamily="49" charset="0"/>
+            </a:endParaRPr>
+          </a:p>
+          <a:p>
+            <a:pPr lvl="1"/>
+            <a:r>
+              <a:rPr lang="en" altLang="zh-CN" cap="none" dirty="0">
+                <a:solidFill>
+                  <a:srgbClr val="FFFF00"/>
+                </a:solidFill>
+                <a:effectLst/>
+                <a:latin typeface="Consolas" panose="020B0609020204030204" pitchFamily="49" charset="0"/>
+                <a:cs typeface="Consolas" panose="020B0609020204030204" pitchFamily="49" charset="0"/>
+              </a:rPr>
+              <a:t>Editor.Ipc.sendToMain</a:t>
+            </a:r>
+            <a:r>
+              <a:rPr lang="en-US" altLang="zh-CN" dirty="0">
+                <a:solidFill>
+                  <a:srgbClr val="FFFF00"/>
+                </a:solidFill>
+                <a:effectLst/>
+                <a:latin typeface="Consolas" panose="020B0609020204030204" pitchFamily="49" charset="0"/>
+                <a:cs typeface="Consolas" panose="020B0609020204030204" pitchFamily="49" charset="0"/>
+              </a:rPr>
+              <a:t>(“</a:t>
+            </a:r>
+            <a:r>
+              <a:rPr lang="zh-CN" altLang="en-US" dirty="0">
+                <a:solidFill>
+                  <a:srgbClr val="FFFF00"/>
+                </a:solidFill>
+                <a:effectLst/>
+                <a:latin typeface="Consolas" panose="020B0609020204030204" pitchFamily="49" charset="0"/>
+                <a:cs typeface="Consolas" panose="020B0609020204030204" pitchFamily="49" charset="0"/>
+              </a:rPr>
+              <a:t>插件</a:t>
+            </a:r>
+            <a:r>
+              <a:rPr lang="en-US" altLang="zh-CN" dirty="0">
+                <a:solidFill>
+                  <a:srgbClr val="FFFF00"/>
+                </a:solidFill>
+                <a:effectLst/>
+                <a:latin typeface="Consolas" panose="020B0609020204030204" pitchFamily="49" charset="0"/>
+                <a:cs typeface="Consolas" panose="020B0609020204030204" pitchFamily="49" charset="0"/>
+              </a:rPr>
+              <a:t>:</a:t>
+            </a:r>
+            <a:r>
+              <a:rPr lang="zh-CN" altLang="en-US" dirty="0">
+                <a:solidFill>
+                  <a:srgbClr val="FFFF00"/>
+                </a:solidFill>
+                <a:effectLst/>
+                <a:latin typeface="Consolas" panose="020B0609020204030204" pitchFamily="49" charset="0"/>
+                <a:cs typeface="Consolas" panose="020B0609020204030204" pitchFamily="49" charset="0"/>
+              </a:rPr>
+              <a:t>消息</a:t>
+            </a:r>
+            <a:r>
+              <a:rPr lang="en-US" altLang="zh-CN" dirty="0">
+                <a:solidFill>
+                  <a:srgbClr val="FFFF00"/>
+                </a:solidFill>
+                <a:effectLst/>
+                <a:latin typeface="Consolas" panose="020B0609020204030204" pitchFamily="49" charset="0"/>
+                <a:cs typeface="Consolas" panose="020B0609020204030204" pitchFamily="49" charset="0"/>
+              </a:rPr>
+              <a:t>”</a:t>
+            </a:r>
+            <a:r>
+              <a:rPr lang="zh-CN" altLang="en-US" dirty="0">
+                <a:solidFill>
+                  <a:srgbClr val="FFFF00"/>
+                </a:solidFill>
+                <a:effectLst/>
+                <a:latin typeface="Consolas" panose="020B0609020204030204" pitchFamily="49" charset="0"/>
+                <a:cs typeface="Consolas" panose="020B0609020204030204" pitchFamily="49" charset="0"/>
+              </a:rPr>
+              <a:t>，数据</a:t>
+            </a:r>
+            <a:r>
+              <a:rPr lang="en-US" altLang="zh-CN" dirty="0">
+                <a:solidFill>
+                  <a:srgbClr val="FFFF00"/>
+                </a:solidFill>
+                <a:effectLst/>
+                <a:latin typeface="Consolas" panose="020B0609020204030204" pitchFamily="49" charset="0"/>
+                <a:cs typeface="Consolas" panose="020B0609020204030204" pitchFamily="49" charset="0"/>
+              </a:rPr>
+              <a:t>,</a:t>
+            </a:r>
+            <a:r>
+              <a:rPr lang="zh-CN" altLang="en-US" dirty="0">
+                <a:solidFill>
+                  <a:srgbClr val="FFFF00"/>
+                </a:solidFill>
+                <a:effectLst/>
+                <a:latin typeface="Consolas" panose="020B0609020204030204" pitchFamily="49" charset="0"/>
+                <a:cs typeface="Consolas" panose="020B0609020204030204" pitchFamily="49" charset="0"/>
+              </a:rPr>
+              <a:t> </a:t>
+            </a:r>
+            <a:r>
+              <a:rPr lang="en-US" altLang="zh-CN" cap="none" dirty="0">
+                <a:solidFill>
+                  <a:srgbClr val="FFFF00"/>
+                </a:solidFill>
+                <a:effectLst/>
+                <a:latin typeface="Consolas" panose="020B0609020204030204" pitchFamily="49" charset="0"/>
+                <a:cs typeface="Consolas" panose="020B0609020204030204" pitchFamily="49" charset="0"/>
+              </a:rPr>
+              <a:t>callBack</a:t>
+            </a:r>
+            <a:r>
+              <a:rPr lang="en-US" altLang="zh-CN" dirty="0">
+                <a:solidFill>
+                  <a:srgbClr val="FFFF00"/>
+                </a:solidFill>
+                <a:effectLst/>
+                <a:latin typeface="Consolas" panose="020B0609020204030204" pitchFamily="49" charset="0"/>
+                <a:cs typeface="Consolas" panose="020B0609020204030204" pitchFamily="49" charset="0"/>
+              </a:rPr>
+              <a:t>);</a:t>
+            </a:r>
+          </a:p>
+          <a:p>
+            <a:pPr lvl="1"/>
+            <a:r>
+              <a:rPr lang="en" altLang="zh-CN" cap="none" dirty="0">
+                <a:solidFill>
+                  <a:srgbClr val="92D050"/>
+                </a:solidFill>
+                <a:latin typeface="Consolas" panose="020B0609020204030204" pitchFamily="49" charset="0"/>
+                <a:cs typeface="Consolas" panose="020B0609020204030204" pitchFamily="49" charset="0"/>
+              </a:rPr>
+              <a:t>Editor.Ipc.sendToMain(</a:t>
+            </a:r>
+            <a:r>
+              <a:rPr lang="en" altLang="zh-CN" cap="none" dirty="0">
+                <a:solidFill>
+                  <a:srgbClr val="92D050"/>
+                </a:solidFill>
+                <a:effectLst/>
+                <a:latin typeface="Consolas" panose="020B0609020204030204" pitchFamily="49" charset="0"/>
+                <a:cs typeface="Consolas" panose="020B0609020204030204" pitchFamily="49" charset="0"/>
+              </a:rPr>
+              <a:t>"hello-world:onPage3"</a:t>
+            </a:r>
+            <a:r>
+              <a:rPr lang="en" altLang="zh-CN" cap="none" dirty="0">
+                <a:solidFill>
+                  <a:srgbClr val="92D050"/>
+                </a:solidFill>
+                <a:latin typeface="Consolas" panose="020B0609020204030204" pitchFamily="49" charset="0"/>
+                <a:cs typeface="Consolas" panose="020B0609020204030204" pitchFamily="49" charset="0"/>
+              </a:rPr>
+              <a:t>, </a:t>
+            </a:r>
+            <a:r>
+              <a:rPr lang="en" altLang="zh-CN" cap="none" dirty="0">
+                <a:solidFill>
+                  <a:srgbClr val="92D050"/>
+                </a:solidFill>
+                <a:effectLst/>
+                <a:latin typeface="Consolas" panose="020B0609020204030204" pitchFamily="49" charset="0"/>
+                <a:cs typeface="Consolas" panose="020B0609020204030204" pitchFamily="49" charset="0"/>
+              </a:rPr>
+              <a:t>"from page3"</a:t>
+            </a:r>
+            <a:r>
+              <a:rPr lang="en" altLang="zh-CN" cap="none" dirty="0">
+                <a:solidFill>
+                  <a:srgbClr val="92D050"/>
+                </a:solidFill>
+                <a:latin typeface="Consolas" panose="020B0609020204030204" pitchFamily="49" charset="0"/>
+                <a:cs typeface="Consolas" panose="020B0609020204030204" pitchFamily="49" charset="0"/>
+              </a:rPr>
+              <a:t>);</a:t>
+            </a:r>
+            <a:endParaRPr lang="en-US" altLang="zh-CN" cap="none" dirty="0">
+              <a:solidFill>
+                <a:srgbClr val="92D050"/>
+              </a:solidFill>
+              <a:effectLst/>
+              <a:latin typeface="Consolas" panose="020B0609020204030204" pitchFamily="49" charset="0"/>
+              <a:cs typeface="Consolas" panose="020B0609020204030204" pitchFamily="49" charset="0"/>
+            </a:endParaRPr>
+          </a:p>
+          <a:p>
+            <a:pPr lvl="1"/>
+            <a:endParaRPr kumimoji="1" lang="zh-CN" altLang="en-US" cap="none" dirty="0">
+              <a:solidFill>
+                <a:srgbClr val="FFFF00"/>
+              </a:solidFill>
+              <a:latin typeface="Consolas" panose="020B0609020204030204" pitchFamily="49" charset="0"/>
+              <a:cs typeface="Consolas" panose="020B0609020204030204" pitchFamily="49" charset="0"/>
+            </a:endParaRPr>
+          </a:p>
+        </p:txBody>
+      </p:sp>
+    </p:spTree>
+    <p:extLst>
+      <p:ext uri="{BB962C8B-B14F-4D97-AF65-F5344CB8AC3E}">
+        <p14:creationId xmlns:p14="http://schemas.microsoft.com/office/powerpoint/2010/main" val="3900612044"/>
+      </p:ext>
+    </p:extLst>
+  </p:cSld>
+  <p:clrMapOvr>
+    <a:masterClrMapping/>
+  </p:clrMapOvr>
+</p:sld>
+</file>
+
+<file path=ppt/slides/slide22.xml><?xml version="1.0" encoding="utf-8"?>
+<p:sld xmlns:a="http://schemas.openxmlformats.org/drawingml/2006/main" xmlns:r="http://schemas.openxmlformats.org/officeDocument/2006/relationships" xmlns:p="http://schemas.openxmlformats.org/presentationml/2006/main">
+  <p:cSld>
+    <p:spTree>
+      <p:nvGrpSpPr>
+        <p:cNvPr id="1" name=""/>
+        <p:cNvGrpSpPr/>
+        <p:nvPr/>
+      </p:nvGrpSpPr>
+      <p:grpSpPr>
+        <a:xfrm>
+          <a:off x="0" y="0"/>
+          <a:ext cx="0" cy="0"/>
+          <a:chOff x="0" y="0"/>
+          <a:chExt cx="0" cy="0"/>
+        </a:xfrm>
+      </p:grpSpPr>
+      <p:sp>
+        <p:nvSpPr>
+          <p:cNvPr id="2" name="标题 1">
+            <a:extLst>
+              <a:ext uri="{FF2B5EF4-FFF2-40B4-BE49-F238E27FC236}">
+                <a16:creationId xmlns:a16="http://schemas.microsoft.com/office/drawing/2014/main" id="{8677AB48-89AB-274C-AF09-0AA98644A940}"/>
+              </a:ext>
+            </a:extLst>
+          </p:cNvPr>
+          <p:cNvSpPr>
+            <a:spLocks noGrp="1"/>
+          </p:cNvSpPr>
+          <p:nvPr>
+            <p:ph type="title"/>
+          </p:nvPr>
+        </p:nvSpPr>
+        <p:spPr>
+          <a:xfrm>
+            <a:off x="1141413" y="609600"/>
+            <a:ext cx="9905998" cy="1039091"/>
+          </a:xfrm>
+        </p:spPr>
+        <p:txBody>
+          <a:bodyPr/>
+          <a:lstStyle/>
+          <a:p>
+            <a:r>
+              <a:rPr kumimoji="1" lang="en-US" altLang="zh-CN" dirty="0">
+                <a:solidFill>
+                  <a:srgbClr val="FFFF00"/>
+                </a:solidFill>
+              </a:rPr>
+              <a:t>IPC</a:t>
+            </a:r>
+            <a:r>
+              <a:rPr kumimoji="1" lang="zh-CN" altLang="en-US" dirty="0">
+                <a:solidFill>
+                  <a:srgbClr val="FFFF00"/>
+                </a:solidFill>
+              </a:rPr>
+              <a:t>消息回调</a:t>
+            </a:r>
+          </a:p>
+        </p:txBody>
+      </p:sp>
+      <p:sp>
+        <p:nvSpPr>
+          <p:cNvPr id="3" name="内容占位符 2">
+            <a:extLst>
+              <a:ext uri="{FF2B5EF4-FFF2-40B4-BE49-F238E27FC236}">
+                <a16:creationId xmlns:a16="http://schemas.microsoft.com/office/drawing/2014/main" id="{7050160F-6D0E-8A47-8010-5D3E30B8CF12}"/>
+              </a:ext>
+            </a:extLst>
+          </p:cNvPr>
+          <p:cNvSpPr>
+            <a:spLocks noGrp="1"/>
+          </p:cNvSpPr>
+          <p:nvPr>
+            <p:ph idx="1"/>
+          </p:nvPr>
+        </p:nvSpPr>
+        <p:spPr>
+          <a:xfrm>
+            <a:off x="1141413" y="1181100"/>
+            <a:ext cx="9905998" cy="2047009"/>
+          </a:xfrm>
+        </p:spPr>
+        <p:txBody>
+          <a:bodyPr/>
+          <a:lstStyle/>
+          <a:p>
+            <a:r>
+              <a:rPr lang="en" altLang="zh-CN" cap="none" dirty="0">
+                <a:solidFill>
+                  <a:srgbClr val="FFFF00"/>
+                </a:solidFill>
+                <a:latin typeface="Consolas" panose="020B0609020204030204" pitchFamily="49" charset="0"/>
+                <a:cs typeface="Consolas" panose="020B0609020204030204" pitchFamily="49" charset="0"/>
+              </a:rPr>
+              <a:t>event.reply</a:t>
+            </a:r>
+            <a:r>
+              <a:rPr lang="en-US" altLang="zh-CN" cap="none" dirty="0">
+                <a:solidFill>
+                  <a:srgbClr val="FFFF00"/>
+                </a:solidFill>
+                <a:latin typeface="Consolas" panose="020B0609020204030204" pitchFamily="49" charset="0"/>
+                <a:cs typeface="Consolas" panose="020B0609020204030204" pitchFamily="49" charset="0"/>
+              </a:rPr>
+              <a:t>()</a:t>
+            </a:r>
+            <a:r>
+              <a:rPr lang="en" altLang="zh-CN" cap="none" dirty="0">
+                <a:solidFill>
+                  <a:srgbClr val="FFFF00"/>
+                </a:solidFill>
+                <a:effectLst/>
+                <a:latin typeface="Consolas" panose="020B0609020204030204" pitchFamily="49" charset="0"/>
+                <a:cs typeface="Consolas" panose="020B0609020204030204" pitchFamily="49" charset="0"/>
+              </a:rPr>
+              <a:t> </a:t>
+            </a:r>
+            <a:r>
+              <a:rPr lang="zh-CN" altLang="en-US" cap="none" dirty="0">
+                <a:solidFill>
+                  <a:srgbClr val="FFFF00"/>
+                </a:solidFill>
+                <a:effectLst/>
+                <a:latin typeface="Consolas" panose="020B0609020204030204" pitchFamily="49" charset="0"/>
+                <a:cs typeface="Consolas" panose="020B0609020204030204" pitchFamily="49" charset="0"/>
+              </a:rPr>
+              <a:t>第一个参数是报错，没有错误时应该传入 </a:t>
+            </a:r>
+            <a:r>
+              <a:rPr lang="en" altLang="zh-CN" cap="none" dirty="0">
+                <a:solidFill>
+                  <a:srgbClr val="FFFF00"/>
+                </a:solidFill>
+                <a:latin typeface="Consolas" panose="020B0609020204030204" pitchFamily="49" charset="0"/>
+                <a:cs typeface="Consolas" panose="020B0609020204030204" pitchFamily="49" charset="0"/>
+              </a:rPr>
+              <a:t>null</a:t>
+            </a:r>
+            <a:r>
+              <a:rPr lang="zh-CN" altLang="en" cap="none" dirty="0">
+                <a:solidFill>
+                  <a:srgbClr val="FFFF00"/>
+                </a:solidFill>
+                <a:effectLst/>
+                <a:latin typeface="Consolas" panose="020B0609020204030204" pitchFamily="49" charset="0"/>
+                <a:cs typeface="Consolas" panose="020B0609020204030204" pitchFamily="49" charset="0"/>
+              </a:rPr>
+              <a:t>，</a:t>
+            </a:r>
+            <a:r>
+              <a:rPr lang="zh-CN" altLang="en-US" cap="none" dirty="0">
+                <a:solidFill>
+                  <a:srgbClr val="FFFF00"/>
+                </a:solidFill>
+                <a:effectLst/>
+                <a:latin typeface="Consolas" panose="020B0609020204030204" pitchFamily="49" charset="0"/>
+                <a:cs typeface="Consolas" panose="020B0609020204030204" pitchFamily="49" charset="0"/>
+              </a:rPr>
+              <a:t>此外建议总是检查 </a:t>
+            </a:r>
+            <a:r>
+              <a:rPr lang="en" altLang="zh-CN" cap="none" dirty="0">
+                <a:solidFill>
+                  <a:srgbClr val="FFFF00"/>
+                </a:solidFill>
+                <a:latin typeface="Consolas" panose="020B0609020204030204" pitchFamily="49" charset="0"/>
+                <a:cs typeface="Consolas" panose="020B0609020204030204" pitchFamily="49" charset="0"/>
+              </a:rPr>
+              <a:t>event.reply</a:t>
+            </a:r>
+            <a:r>
+              <a:rPr lang="zh-CN" altLang="en-US" cap="none" dirty="0">
+                <a:solidFill>
+                  <a:srgbClr val="FFFF00"/>
+                </a:solidFill>
+                <a:effectLst/>
+                <a:latin typeface="Consolas" panose="020B0609020204030204" pitchFamily="49" charset="0"/>
+                <a:cs typeface="Consolas" panose="020B0609020204030204" pitchFamily="49" charset="0"/>
+              </a:rPr>
+              <a:t>是否存在，</a:t>
+            </a:r>
+            <a:endParaRPr lang="en-US" altLang="zh-CN" cap="none" dirty="0">
+              <a:solidFill>
+                <a:srgbClr val="FFFF00"/>
+              </a:solidFill>
+              <a:effectLst/>
+              <a:latin typeface="Consolas" panose="020B0609020204030204" pitchFamily="49" charset="0"/>
+              <a:cs typeface="Consolas" panose="020B0609020204030204" pitchFamily="49" charset="0"/>
+            </a:endParaRPr>
+          </a:p>
+          <a:p>
+            <a:r>
+              <a:rPr lang="zh-CN" altLang="en-US" cap="none" dirty="0">
+                <a:solidFill>
+                  <a:srgbClr val="FFFF00"/>
+                </a:solidFill>
+                <a:effectLst/>
+                <a:latin typeface="Consolas" panose="020B0609020204030204" pitchFamily="49" charset="0"/>
+                <a:cs typeface="Consolas" panose="020B0609020204030204" pitchFamily="49" charset="0"/>
+              </a:rPr>
+              <a:t>如果发送消息时参数中不包含回调方法，则 </a:t>
+            </a:r>
+            <a:r>
+              <a:rPr lang="en" altLang="zh-CN" cap="none" dirty="0">
+                <a:solidFill>
+                  <a:srgbClr val="FFFF00"/>
+                </a:solidFill>
+                <a:latin typeface="Consolas" panose="020B0609020204030204" pitchFamily="49" charset="0"/>
+                <a:cs typeface="Consolas" panose="020B0609020204030204" pitchFamily="49" charset="0"/>
+              </a:rPr>
+              <a:t>event.reply</a:t>
+            </a:r>
+            <a:r>
+              <a:rPr lang="en" altLang="zh-CN" cap="none" dirty="0">
+                <a:solidFill>
+                  <a:srgbClr val="FFFF00"/>
+                </a:solidFill>
+                <a:effectLst/>
+                <a:latin typeface="Consolas" panose="020B0609020204030204" pitchFamily="49" charset="0"/>
+                <a:cs typeface="Consolas" panose="020B0609020204030204" pitchFamily="49" charset="0"/>
+              </a:rPr>
+              <a:t> </a:t>
+            </a:r>
+            <a:r>
+              <a:rPr lang="zh-CN" altLang="en-US" cap="none" dirty="0">
+                <a:solidFill>
+                  <a:srgbClr val="FFFF00"/>
+                </a:solidFill>
+                <a:effectLst/>
+                <a:latin typeface="Consolas" panose="020B0609020204030204" pitchFamily="49" charset="0"/>
+                <a:cs typeface="Consolas" panose="020B0609020204030204" pitchFamily="49" charset="0"/>
+              </a:rPr>
+              <a:t>的检查将返回 </a:t>
+            </a:r>
+            <a:r>
+              <a:rPr lang="en" altLang="zh-CN" cap="none" dirty="0">
+                <a:solidFill>
+                  <a:srgbClr val="FFFF00"/>
+                </a:solidFill>
+                <a:latin typeface="Consolas" panose="020B0609020204030204" pitchFamily="49" charset="0"/>
+                <a:cs typeface="Consolas" panose="020B0609020204030204" pitchFamily="49" charset="0"/>
+              </a:rPr>
+              <a:t>undefined</a:t>
+            </a:r>
+            <a:r>
+              <a:rPr lang="zh-CN" altLang="en" cap="none" dirty="0">
+                <a:solidFill>
+                  <a:srgbClr val="FFFF00"/>
+                </a:solidFill>
+                <a:effectLst/>
+                <a:latin typeface="Consolas" panose="020B0609020204030204" pitchFamily="49" charset="0"/>
+                <a:cs typeface="Consolas" panose="020B0609020204030204" pitchFamily="49" charset="0"/>
+              </a:rPr>
+              <a:t>，</a:t>
+            </a:r>
+            <a:r>
+              <a:rPr lang="zh-CN" altLang="en-US" cap="none" dirty="0">
+                <a:solidFill>
+                  <a:srgbClr val="FFFF00"/>
+                </a:solidFill>
+                <a:effectLst/>
+                <a:latin typeface="Consolas" panose="020B0609020204030204" pitchFamily="49" charset="0"/>
+                <a:cs typeface="Consolas" panose="020B0609020204030204" pitchFamily="49" charset="0"/>
+              </a:rPr>
+              <a:t>这种情况下调用 </a:t>
+            </a:r>
+            <a:r>
+              <a:rPr lang="en" altLang="zh-CN" cap="none" dirty="0">
+                <a:solidFill>
+                  <a:srgbClr val="FFFF00"/>
+                </a:solidFill>
+                <a:latin typeface="Consolas" panose="020B0609020204030204" pitchFamily="49" charset="0"/>
+                <a:cs typeface="Consolas" panose="020B0609020204030204" pitchFamily="49" charset="0"/>
+              </a:rPr>
+              <a:t>event.reply</a:t>
+            </a:r>
+            <a:r>
+              <a:rPr lang="en" altLang="zh-CN" cap="none" dirty="0">
+                <a:solidFill>
+                  <a:srgbClr val="FFFF00"/>
+                </a:solidFill>
+                <a:effectLst/>
+                <a:latin typeface="Consolas" panose="020B0609020204030204" pitchFamily="49" charset="0"/>
+                <a:cs typeface="Consolas" panose="020B0609020204030204" pitchFamily="49" charset="0"/>
+              </a:rPr>
+              <a:t> </a:t>
+            </a:r>
+            <a:r>
+              <a:rPr lang="zh-CN" altLang="en-US" cap="none" dirty="0">
+                <a:solidFill>
+                  <a:srgbClr val="FFFF00"/>
+                </a:solidFill>
+                <a:effectLst/>
+                <a:latin typeface="Consolas" panose="020B0609020204030204" pitchFamily="49" charset="0"/>
+                <a:cs typeface="Consolas" panose="020B0609020204030204" pitchFamily="49" charset="0"/>
+              </a:rPr>
+              <a:t>会产生错误。</a:t>
+            </a:r>
+            <a:endParaRPr kumimoji="1" lang="zh-CN" altLang="en-US" cap="none" dirty="0">
+              <a:solidFill>
+                <a:srgbClr val="FFFF00"/>
+              </a:solidFill>
+              <a:latin typeface="Consolas" panose="020B0609020204030204" pitchFamily="49" charset="0"/>
+              <a:cs typeface="Consolas" panose="020B0609020204030204" pitchFamily="49" charset="0"/>
+            </a:endParaRPr>
+          </a:p>
+        </p:txBody>
+      </p:sp>
+      <p:pic>
+        <p:nvPicPr>
+          <p:cNvPr id="4" name="图片 3">
+            <a:extLst>
+              <a:ext uri="{FF2B5EF4-FFF2-40B4-BE49-F238E27FC236}">
+                <a16:creationId xmlns:a16="http://schemas.microsoft.com/office/drawing/2014/main" id="{32DA6487-8106-584E-A8CB-536F2533DB39}"/>
+              </a:ext>
+            </a:extLst>
+          </p:cNvPr>
+          <p:cNvPicPr>
+            <a:picLocks noChangeAspect="1"/>
+          </p:cNvPicPr>
+          <p:nvPr/>
+        </p:nvPicPr>
+        <p:blipFill>
+          <a:blip r:embed="rId2"/>
+          <a:stretch>
+            <a:fillRect/>
+          </a:stretch>
+        </p:blipFill>
+        <p:spPr>
+          <a:xfrm>
+            <a:off x="1141413" y="3139209"/>
+            <a:ext cx="8737600" cy="1320800"/>
+          </a:xfrm>
+          <a:prstGeom prst="rect">
+            <a:avLst/>
+          </a:prstGeom>
+        </p:spPr>
+      </p:pic>
+      <p:pic>
+        <p:nvPicPr>
+          <p:cNvPr id="5" name="图片 4">
+            <a:extLst>
+              <a:ext uri="{FF2B5EF4-FFF2-40B4-BE49-F238E27FC236}">
+                <a16:creationId xmlns:a16="http://schemas.microsoft.com/office/drawing/2014/main" id="{8110CE92-5D84-0C41-A880-424F8A02426D}"/>
+              </a:ext>
+            </a:extLst>
+          </p:cNvPr>
+          <p:cNvPicPr>
+            <a:picLocks noChangeAspect="1"/>
+          </p:cNvPicPr>
+          <p:nvPr/>
+        </p:nvPicPr>
+        <p:blipFill>
+          <a:blip r:embed="rId3"/>
+          <a:stretch>
+            <a:fillRect/>
+          </a:stretch>
+        </p:blipFill>
+        <p:spPr>
+          <a:xfrm>
+            <a:off x="1141413" y="4699000"/>
+            <a:ext cx="6273800" cy="2159000"/>
+          </a:xfrm>
+          <a:prstGeom prst="rect">
+            <a:avLst/>
+          </a:prstGeom>
+        </p:spPr>
+      </p:pic>
+    </p:spTree>
+    <p:extLst>
+      <p:ext uri="{BB962C8B-B14F-4D97-AF65-F5344CB8AC3E}">
+        <p14:creationId xmlns:p14="http://schemas.microsoft.com/office/powerpoint/2010/main" val="3840700888"/>
+      </p:ext>
+    </p:extLst>
+  </p:cSld>
+  <p:clrMapOvr>
+    <a:masterClrMapping/>
+  </p:clrMapOvr>
+</p:sld>
+</file>
+
+<file path=ppt/slides/slide23.xml><?xml version="1.0" encoding="utf-8"?>
+<p:sld xmlns:a="http://schemas.openxmlformats.org/drawingml/2006/main" xmlns:r="http://schemas.openxmlformats.org/officeDocument/2006/relationships" xmlns:p="http://schemas.openxmlformats.org/presentationml/2006/main">
+  <p:cSld>
+    <p:spTree>
+      <p:nvGrpSpPr>
+        <p:cNvPr id="1" name=""/>
+        <p:cNvGrpSpPr/>
+        <p:nvPr/>
+      </p:nvGrpSpPr>
+      <p:grpSpPr>
+        <a:xfrm>
+          <a:off x="0" y="0"/>
+          <a:ext cx="0" cy="0"/>
+          <a:chOff x="0" y="0"/>
+          <a:chExt cx="0" cy="0"/>
+        </a:xfrm>
+      </p:grpSpPr>
+      <p:sp>
+        <p:nvSpPr>
+          <p:cNvPr id="2" name="标题 1">
+            <a:extLst>
+              <a:ext uri="{FF2B5EF4-FFF2-40B4-BE49-F238E27FC236}">
+                <a16:creationId xmlns:a16="http://schemas.microsoft.com/office/drawing/2014/main" id="{08E8B64F-9835-364F-A3CD-22DBA0B2ED2B}"/>
+              </a:ext>
+            </a:extLst>
+          </p:cNvPr>
+          <p:cNvSpPr>
+            <a:spLocks noGrp="1"/>
+          </p:cNvSpPr>
+          <p:nvPr>
+            <p:ph type="title"/>
+          </p:nvPr>
+        </p:nvSpPr>
+        <p:spPr/>
+        <p:txBody>
+          <a:bodyPr/>
+          <a:lstStyle/>
+          <a:p>
+            <a:r>
+              <a:rPr kumimoji="1" lang="zh-CN" altLang="en-US" dirty="0">
+                <a:solidFill>
+                  <a:srgbClr val="FFFF00"/>
+                </a:solidFill>
+              </a:rPr>
+              <a:t>深入理解</a:t>
+            </a:r>
+            <a:r>
+              <a:rPr kumimoji="1" lang="en-US" altLang="zh-CN" dirty="0">
+                <a:solidFill>
+                  <a:srgbClr val="FFFF00"/>
+                </a:solidFill>
+              </a:rPr>
+              <a:t>IPC</a:t>
+            </a:r>
+            <a:r>
+              <a:rPr kumimoji="1" lang="zh-CN" altLang="en-US" dirty="0">
+                <a:solidFill>
+                  <a:srgbClr val="FFFF00"/>
+                </a:solidFill>
+              </a:rPr>
+              <a:t>消息</a:t>
+            </a:r>
+          </a:p>
+        </p:txBody>
+      </p:sp>
+      <p:sp>
+        <p:nvSpPr>
+          <p:cNvPr id="3" name="内容占位符 2">
+            <a:extLst>
+              <a:ext uri="{FF2B5EF4-FFF2-40B4-BE49-F238E27FC236}">
+                <a16:creationId xmlns:a16="http://schemas.microsoft.com/office/drawing/2014/main" id="{6FF8C124-ED85-2344-A9BC-0F5188C8B652}"/>
+              </a:ext>
+            </a:extLst>
+          </p:cNvPr>
+          <p:cNvSpPr>
+            <a:spLocks noGrp="1"/>
+          </p:cNvSpPr>
+          <p:nvPr>
+            <p:ph idx="1"/>
+          </p:nvPr>
+        </p:nvSpPr>
+        <p:spPr>
+          <a:xfrm>
+            <a:off x="975159" y="1877290"/>
+            <a:ext cx="4635932" cy="3789219"/>
+          </a:xfrm>
+        </p:spPr>
+        <p:txBody>
+          <a:bodyPr/>
+          <a:lstStyle/>
+          <a:p>
+            <a:r>
+              <a:rPr kumimoji="1" lang="zh-CN" altLang="en-US" cap="none" dirty="0">
+                <a:solidFill>
+                  <a:srgbClr val="FFFF00"/>
+                </a:solidFill>
+                <a:latin typeface="Consolas" panose="020B0609020204030204" pitchFamily="49" charset="0"/>
+                <a:cs typeface="Consolas" panose="020B0609020204030204" pitchFamily="49" charset="0"/>
+              </a:rPr>
+              <a:t>如何监听</a:t>
+            </a:r>
+            <a:r>
+              <a:rPr kumimoji="1" lang="en-US" altLang="zh-CN" cap="none" dirty="0">
+                <a:solidFill>
+                  <a:srgbClr val="FFFF00"/>
+                </a:solidFill>
+                <a:latin typeface="Consolas" panose="020B0609020204030204" pitchFamily="49" charset="0"/>
+                <a:cs typeface="Consolas" panose="020B0609020204030204" pitchFamily="49" charset="0"/>
+              </a:rPr>
+              <a:t>creator</a:t>
+            </a:r>
+            <a:r>
+              <a:rPr kumimoji="1" lang="zh-CN" altLang="en-US" cap="none" dirty="0">
+                <a:solidFill>
+                  <a:srgbClr val="FFFF00"/>
+                </a:solidFill>
+                <a:latin typeface="Consolas" panose="020B0609020204030204" pitchFamily="49" charset="0"/>
+                <a:cs typeface="Consolas" panose="020B0609020204030204" pitchFamily="49" charset="0"/>
+              </a:rPr>
+              <a:t>内置</a:t>
+            </a:r>
+            <a:r>
+              <a:rPr kumimoji="1" lang="en-US" altLang="zh-CN" cap="none" dirty="0">
+                <a:solidFill>
+                  <a:srgbClr val="FFFF00"/>
+                </a:solidFill>
+                <a:latin typeface="Consolas" panose="020B0609020204030204" pitchFamily="49" charset="0"/>
+                <a:cs typeface="Consolas" panose="020B0609020204030204" pitchFamily="49" charset="0"/>
+              </a:rPr>
+              <a:t>IPC</a:t>
+            </a:r>
+            <a:r>
+              <a:rPr kumimoji="1" lang="zh-CN" altLang="en-US" cap="none" dirty="0">
+                <a:solidFill>
+                  <a:srgbClr val="FFFF00"/>
+                </a:solidFill>
+                <a:latin typeface="Consolas" panose="020B0609020204030204" pitchFamily="49" charset="0"/>
+                <a:cs typeface="Consolas" panose="020B0609020204030204" pitchFamily="49" charset="0"/>
+              </a:rPr>
+              <a:t>消息</a:t>
+            </a:r>
+            <a:endParaRPr kumimoji="1" lang="en-US" altLang="zh-CN" cap="none" dirty="0">
+              <a:solidFill>
+                <a:srgbClr val="FFFF00"/>
+              </a:solidFill>
+              <a:latin typeface="Consolas" panose="020B0609020204030204" pitchFamily="49" charset="0"/>
+              <a:cs typeface="Consolas" panose="020B0609020204030204" pitchFamily="49" charset="0"/>
+            </a:endParaRPr>
+          </a:p>
+          <a:p>
+            <a:r>
+              <a:rPr kumimoji="1" lang="zh-CN" altLang="en-US" cap="none" dirty="0">
+                <a:solidFill>
+                  <a:srgbClr val="FFFF00"/>
+                </a:solidFill>
+                <a:latin typeface="Consolas" panose="020B0609020204030204" pitchFamily="49" charset="0"/>
+                <a:cs typeface="Consolas" panose="020B0609020204030204" pitchFamily="49" charset="0"/>
+              </a:rPr>
+              <a:t>如何发送</a:t>
+            </a:r>
+            <a:r>
+              <a:rPr kumimoji="1" lang="en-US" altLang="zh-CN" cap="none" dirty="0">
+                <a:solidFill>
+                  <a:srgbClr val="FFFF00"/>
+                </a:solidFill>
+                <a:latin typeface="Consolas" panose="020B0609020204030204" pitchFamily="49" charset="0"/>
+                <a:cs typeface="Consolas" panose="020B0609020204030204" pitchFamily="49" charset="0"/>
+              </a:rPr>
+              <a:t>creator</a:t>
+            </a:r>
+            <a:r>
+              <a:rPr kumimoji="1" lang="zh-CN" altLang="en-US" cap="none" dirty="0">
+                <a:solidFill>
+                  <a:srgbClr val="FFFF00"/>
+                </a:solidFill>
+                <a:latin typeface="Consolas" panose="020B0609020204030204" pitchFamily="49" charset="0"/>
+                <a:cs typeface="Consolas" panose="020B0609020204030204" pitchFamily="49" charset="0"/>
+              </a:rPr>
+              <a:t>内置</a:t>
+            </a:r>
+            <a:r>
+              <a:rPr kumimoji="1" lang="en-US" altLang="zh-CN" cap="none" dirty="0">
+                <a:solidFill>
+                  <a:srgbClr val="FFFF00"/>
+                </a:solidFill>
+                <a:latin typeface="Consolas" panose="020B0609020204030204" pitchFamily="49" charset="0"/>
+                <a:cs typeface="Consolas" panose="020B0609020204030204" pitchFamily="49" charset="0"/>
+              </a:rPr>
+              <a:t>IPC</a:t>
+            </a:r>
+            <a:r>
+              <a:rPr kumimoji="1" lang="zh-CN" altLang="en-US" cap="none" dirty="0">
+                <a:solidFill>
+                  <a:srgbClr val="FFFF00"/>
+                </a:solidFill>
+                <a:latin typeface="Consolas" panose="020B0609020204030204" pitchFamily="49" charset="0"/>
+                <a:cs typeface="Consolas" panose="020B0609020204030204" pitchFamily="49" charset="0"/>
+              </a:rPr>
+              <a:t>消息</a:t>
+            </a:r>
+            <a:endParaRPr kumimoji="1" lang="en" altLang="zh-CN" cap="none" dirty="0">
+              <a:solidFill>
+                <a:srgbClr val="FFFF00"/>
+              </a:solidFill>
+              <a:latin typeface="Consolas" panose="020B0609020204030204" pitchFamily="49" charset="0"/>
+              <a:cs typeface="Consolas" panose="020B0609020204030204" pitchFamily="49" charset="0"/>
+            </a:endParaRPr>
+          </a:p>
+          <a:p>
+            <a:endParaRPr kumimoji="1" lang="zh-CN" altLang="en-US" cap="none" dirty="0">
+              <a:solidFill>
+                <a:srgbClr val="FFFF00"/>
+              </a:solidFill>
+              <a:latin typeface="Consolas" panose="020B0609020204030204" pitchFamily="49" charset="0"/>
+              <a:cs typeface="Consolas" panose="020B0609020204030204" pitchFamily="49" charset="0"/>
+            </a:endParaRPr>
+          </a:p>
+        </p:txBody>
+      </p:sp>
+      <p:pic>
+        <p:nvPicPr>
+          <p:cNvPr id="6" name="图片 5">
+            <a:extLst>
+              <a:ext uri="{FF2B5EF4-FFF2-40B4-BE49-F238E27FC236}">
+                <a16:creationId xmlns:a16="http://schemas.microsoft.com/office/drawing/2014/main" id="{DD581EB6-5857-8A42-B886-CC567B871B69}"/>
+              </a:ext>
+            </a:extLst>
+          </p:cNvPr>
+          <p:cNvPicPr>
+            <a:picLocks noChangeAspect="1"/>
+          </p:cNvPicPr>
+          <p:nvPr/>
+        </p:nvPicPr>
+        <p:blipFill>
+          <a:blip r:embed="rId2"/>
+          <a:stretch>
+            <a:fillRect/>
+          </a:stretch>
+        </p:blipFill>
+        <p:spPr>
+          <a:xfrm>
+            <a:off x="5321300" y="3591790"/>
+            <a:ext cx="9944100" cy="3467100"/>
+          </a:xfrm>
+          <a:prstGeom prst="rect">
+            <a:avLst/>
+          </a:prstGeom>
+        </p:spPr>
+      </p:pic>
+      <p:pic>
+        <p:nvPicPr>
+          <p:cNvPr id="7" name="图片 6">
+            <a:extLst>
+              <a:ext uri="{FF2B5EF4-FFF2-40B4-BE49-F238E27FC236}">
+                <a16:creationId xmlns:a16="http://schemas.microsoft.com/office/drawing/2014/main" id="{9393CFC7-D96E-3645-81AB-AA099C0DAAF4}"/>
+              </a:ext>
+            </a:extLst>
+          </p:cNvPr>
+          <p:cNvPicPr>
+            <a:picLocks noChangeAspect="1"/>
+          </p:cNvPicPr>
+          <p:nvPr/>
+        </p:nvPicPr>
+        <p:blipFill>
+          <a:blip r:embed="rId3"/>
+          <a:stretch>
+            <a:fillRect/>
+          </a:stretch>
+        </p:blipFill>
+        <p:spPr>
+          <a:xfrm>
+            <a:off x="5321300" y="609600"/>
+            <a:ext cx="3708400" cy="2692400"/>
+          </a:xfrm>
+          <a:prstGeom prst="rect">
+            <a:avLst/>
+          </a:prstGeom>
+        </p:spPr>
+      </p:pic>
+    </p:spTree>
+    <p:extLst>
+      <p:ext uri="{BB962C8B-B14F-4D97-AF65-F5344CB8AC3E}">
+        <p14:creationId xmlns:p14="http://schemas.microsoft.com/office/powerpoint/2010/main" val="386181796"/>
+      </p:ext>
+    </p:extLst>
+  </p:cSld>
+  <p:clrMapOvr>
+    <a:masterClrMapping/>
+  </p:clrMapOvr>
+</p:sld>
+</file>
+
+<file path=ppt/slides/slide24.xml><?xml version="1.0" encoding="utf-8"?>
+<p:sld xmlns:a="http://schemas.openxmlformats.org/drawingml/2006/main" xmlns:r="http://schemas.openxmlformats.org/officeDocument/2006/relationships" xmlns:p="http://schemas.openxmlformats.org/presentationml/2006/main">
+  <p:cSld>
+    <p:spTree>
+      <p:nvGrpSpPr>
+        <p:cNvPr id="1" name=""/>
+        <p:cNvGrpSpPr/>
+        <p:nvPr/>
+      </p:nvGrpSpPr>
+      <p:grpSpPr>
+        <a:xfrm>
+          <a:off x="0" y="0"/>
+          <a:ext cx="0" cy="0"/>
+          <a:chOff x="0" y="0"/>
+          <a:chExt cx="0" cy="0"/>
+        </a:xfrm>
+      </p:grpSpPr>
+      <p:sp>
+        <p:nvSpPr>
+          <p:cNvPr id="2" name="标题 1">
+            <a:extLst>
+              <a:ext uri="{FF2B5EF4-FFF2-40B4-BE49-F238E27FC236}">
                 <a16:creationId xmlns:a16="http://schemas.microsoft.com/office/drawing/2014/main" id="{B842FEF2-E135-7C43-A1BD-69BA0099FF74}"/>
               </a:ext>
             </a:extLst>
@@ -8074,8 +9735,12 @@
           <a:lstStyle/>
           <a:p>
             <a:r>
-              <a:rPr kumimoji="1" lang="zh-CN" altLang="en-US"/>
-              <a:t>插件调试技巧</a:t>
+              <a:rPr kumimoji="1" lang="zh-CN" altLang="en-US" dirty="0">
+                <a:solidFill>
+                  <a:srgbClr val="FFFF00"/>
+                </a:solidFill>
+              </a:rPr>
+              <a:t>进程调试</a:t>
             </a:r>
           </a:p>
         </p:txBody>
@@ -8096,12 +9761,82 @@
             <p:ph idx="1"/>
           </p:nvPr>
         </p:nvSpPr>
-        <p:spPr/>
+        <p:spPr>
+          <a:xfrm>
+            <a:off x="1141413" y="2015836"/>
+            <a:ext cx="9905998" cy="3124201"/>
+          </a:xfrm>
+        </p:spPr>
         <p:txBody>
           <a:bodyPr/>
           <a:lstStyle/>
           <a:p>
-            <a:endParaRPr kumimoji="1" lang="zh-CN" altLang="en-US"/>
+            <a:r>
+              <a:rPr kumimoji="1" lang="zh-CN" altLang="en-US" dirty="0">
+                <a:solidFill>
+                  <a:srgbClr val="FFFF00"/>
+                </a:solidFill>
+                <a:latin typeface="Consolas" panose="020B0609020204030204" pitchFamily="49" charset="0"/>
+                <a:cs typeface="Consolas" panose="020B0609020204030204" pitchFamily="49" charset="0"/>
+              </a:rPr>
+              <a:t>主进程：后续介绍（不然课程怎么值钱？）</a:t>
+            </a:r>
+            <a:endParaRPr kumimoji="1" lang="en-US" altLang="zh-CN" dirty="0">
+              <a:solidFill>
+                <a:srgbClr val="FFFF00"/>
+              </a:solidFill>
+              <a:latin typeface="Consolas" panose="020B0609020204030204" pitchFamily="49" charset="0"/>
+              <a:cs typeface="Consolas" panose="020B0609020204030204" pitchFamily="49" charset="0"/>
+            </a:endParaRPr>
+          </a:p>
+          <a:p>
+            <a:pPr lvl="1"/>
+            <a:r>
+              <a:rPr kumimoji="1" lang="zh-CN" altLang="en-US" dirty="0">
+                <a:solidFill>
+                  <a:srgbClr val="FFFF00"/>
+                </a:solidFill>
+                <a:latin typeface="Consolas" panose="020B0609020204030204" pitchFamily="49" charset="0"/>
+                <a:cs typeface="Consolas" panose="020B0609020204030204" pitchFamily="49" charset="0"/>
+              </a:rPr>
+              <a:t>思考：渲染进程之间如何共享数据？</a:t>
+            </a:r>
+            <a:endParaRPr kumimoji="1" lang="en-US" altLang="zh-CN" dirty="0">
+              <a:solidFill>
+                <a:srgbClr val="FFFF00"/>
+              </a:solidFill>
+              <a:latin typeface="Consolas" panose="020B0609020204030204" pitchFamily="49" charset="0"/>
+              <a:cs typeface="Consolas" panose="020B0609020204030204" pitchFamily="49" charset="0"/>
+            </a:endParaRPr>
+          </a:p>
+          <a:p>
+            <a:r>
+              <a:rPr kumimoji="1" lang="zh-CN" altLang="en-US" dirty="0">
+                <a:solidFill>
+                  <a:srgbClr val="FFFF00"/>
+                </a:solidFill>
+                <a:latin typeface="Consolas" panose="020B0609020204030204" pitchFamily="49" charset="0"/>
+                <a:cs typeface="Consolas" panose="020B0609020204030204" pitchFamily="49" charset="0"/>
+              </a:rPr>
+              <a:t>渲染进程：</a:t>
+            </a:r>
+            <a:r>
+              <a:rPr kumimoji="1" lang="en-US" altLang="zh-CN" cap="none" dirty="0">
+                <a:solidFill>
+                  <a:srgbClr val="FFFF00"/>
+                </a:solidFill>
+                <a:latin typeface="Consolas" panose="020B0609020204030204" pitchFamily="49" charset="0"/>
+                <a:cs typeface="Consolas" panose="020B0609020204030204" pitchFamily="49" charset="0"/>
+              </a:rPr>
+              <a:t>devtools</a:t>
+            </a:r>
+            <a:endParaRPr kumimoji="1" lang="zh-CN" altLang="en-US" cap="none" dirty="0">
+              <a:solidFill>
+                <a:srgbClr val="FFFF00"/>
+              </a:solidFill>
+              <a:latin typeface="Consolas" panose="020B0609020204030204" pitchFamily="49" charset="0"/>
+              <a:cs typeface="Consolas" panose="020B0609020204030204" pitchFamily="49" charset="0"/>
+            </a:endParaRPr>
           </a:p>
         </p:txBody>
       </p:sp>
@@ -8109,6 +9844,350 @@
     <p:extLst>
       <p:ext uri="{BB962C8B-B14F-4D97-AF65-F5344CB8AC3E}">
         <p14:creationId xmlns:p14="http://schemas.microsoft.com/office/powerpoint/2010/main" val="2933401115"/>
+      </p:ext>
+    </p:extLst>
+  </p:cSld>
+  <p:clrMapOvr>
+    <a:masterClrMapping/>
+  </p:clrMapOvr>
+</p:sld>
+</file>
+
+<file path=ppt/slides/slide25.xml><?xml version="1.0" encoding="utf-8"?>
+<p:sld xmlns:a="http://schemas.openxmlformats.org/drawingml/2006/main" xmlns:r="http://schemas.openxmlformats.org/officeDocument/2006/relationships" xmlns:p="http://schemas.openxmlformats.org/presentationml/2006/main">
+  <p:cSld>
+    <p:spTree>
+      <p:nvGrpSpPr>
+        <p:cNvPr id="1" name=""/>
+        <p:cNvGrpSpPr/>
+        <p:nvPr/>
+      </p:nvGrpSpPr>
+      <p:grpSpPr>
+        <a:xfrm>
+          <a:off x="0" y="0"/>
+          <a:ext cx="0" cy="0"/>
+          <a:chOff x="0" y="0"/>
+          <a:chExt cx="0" cy="0"/>
+        </a:xfrm>
+      </p:grpSpPr>
+      <p:sp>
+        <p:nvSpPr>
+          <p:cNvPr id="2" name="标题 1">
+            <a:extLst>
+              <a:ext uri="{FF2B5EF4-FFF2-40B4-BE49-F238E27FC236}">
+                <a16:creationId xmlns:a16="http://schemas.microsoft.com/office/drawing/2014/main" id="{2B3B060B-F854-CA43-98D7-8A856C06F569}"/>
+              </a:ext>
+            </a:extLst>
+          </p:cNvPr>
+          <p:cNvSpPr>
+            <a:spLocks noGrp="1"/>
+          </p:cNvSpPr>
+          <p:nvPr>
+            <p:ph type="title"/>
+          </p:nvPr>
+        </p:nvSpPr>
+        <p:spPr/>
+        <p:txBody>
+          <a:bodyPr/>
+          <a:lstStyle/>
+          <a:p>
+            <a:r>
+              <a:rPr kumimoji="1" lang="zh-CN" altLang="en-US" dirty="0">
+                <a:solidFill>
+                  <a:srgbClr val="FFFF00"/>
+                </a:solidFill>
+              </a:rPr>
+              <a:t>进阶篇回顾</a:t>
+            </a:r>
+          </a:p>
+        </p:txBody>
+      </p:sp>
+      <p:sp>
+        <p:nvSpPr>
+          <p:cNvPr id="3" name="内容占位符 2">
+            <a:extLst>
+              <a:ext uri="{FF2B5EF4-FFF2-40B4-BE49-F238E27FC236}">
+                <a16:creationId xmlns:a16="http://schemas.microsoft.com/office/drawing/2014/main" id="{51F5C651-EC44-9346-AACA-697F446073BB}"/>
+              </a:ext>
+            </a:extLst>
+          </p:cNvPr>
+          <p:cNvSpPr>
+            <a:spLocks noGrp="1"/>
+          </p:cNvSpPr>
+          <p:nvPr>
+            <p:ph idx="1"/>
+          </p:nvPr>
+        </p:nvSpPr>
+        <p:spPr/>
+        <p:txBody>
+          <a:bodyPr/>
+          <a:lstStyle/>
+          <a:p>
+            <a:r>
+              <a:rPr kumimoji="1" lang="zh-CN" altLang="en-US" dirty="0">
+                <a:solidFill>
+                  <a:srgbClr val="FFFF00"/>
+                </a:solidFill>
+              </a:rPr>
+              <a:t>插件多面板如何实现？</a:t>
+            </a:r>
+            <a:endParaRPr kumimoji="1" lang="en-US" altLang="zh-CN" dirty="0">
+              <a:solidFill>
+                <a:srgbClr val="FFFF00"/>
+              </a:solidFill>
+            </a:endParaRPr>
+          </a:p>
+          <a:p>
+            <a:pPr lvl="1"/>
+            <a:r>
+              <a:rPr kumimoji="1" lang="zh-CN" altLang="en-US" dirty="0">
+                <a:solidFill>
+                  <a:srgbClr val="FFFF00"/>
+                </a:solidFill>
+              </a:rPr>
+              <a:t>代码控制面板自定义布局</a:t>
+            </a:r>
+            <a:endParaRPr kumimoji="1" lang="en-US" altLang="zh-CN" dirty="0">
+              <a:solidFill>
+                <a:srgbClr val="FFFF00"/>
+              </a:solidFill>
+            </a:endParaRPr>
+          </a:p>
+          <a:p>
+            <a:r>
+              <a:rPr kumimoji="1" lang="en-US" altLang="zh-CN" dirty="0" err="1">
+                <a:solidFill>
+                  <a:srgbClr val="FFFF00"/>
+                </a:solidFill>
+              </a:rPr>
+              <a:t>ipc</a:t>
+            </a:r>
+            <a:endParaRPr kumimoji="1" lang="en-US" altLang="zh-CN" dirty="0">
+              <a:solidFill>
+                <a:srgbClr val="FFFF00"/>
+              </a:solidFill>
+            </a:endParaRPr>
+          </a:p>
+          <a:p>
+            <a:pPr lvl="1"/>
+            <a:r>
+              <a:rPr kumimoji="1" lang="zh-CN" altLang="en-US" dirty="0">
+                <a:solidFill>
+                  <a:srgbClr val="FFFF00"/>
+                </a:solidFill>
+              </a:rPr>
+              <a:t>主进程、渲染进程</a:t>
+            </a:r>
+            <a:endParaRPr kumimoji="1" lang="en-US" altLang="zh-CN" dirty="0">
+              <a:solidFill>
+                <a:srgbClr val="FFFF00"/>
+              </a:solidFill>
+            </a:endParaRPr>
+          </a:p>
+          <a:p>
+            <a:pPr lvl="1"/>
+            <a:r>
+              <a:rPr kumimoji="1" lang="zh-CN" altLang="en-US" dirty="0">
+                <a:solidFill>
+                  <a:srgbClr val="FFFF00"/>
+                </a:solidFill>
+              </a:rPr>
+              <a:t>消息的发送，面板之间数据传递</a:t>
+            </a:r>
+            <a:endParaRPr kumimoji="1" lang="en-US" altLang="zh-CN" dirty="0">
+              <a:solidFill>
+                <a:srgbClr val="FFFF00"/>
+              </a:solidFill>
+            </a:endParaRPr>
+          </a:p>
+          <a:p>
+            <a:pPr lvl="1"/>
+            <a:r>
+              <a:rPr kumimoji="1" lang="zh-CN" altLang="en-US" dirty="0">
+                <a:solidFill>
+                  <a:srgbClr val="FFFF00"/>
+                </a:solidFill>
+              </a:rPr>
+              <a:t>渲染进程如何调试，并思考主进程如何调试？</a:t>
+            </a:r>
+            <a:endParaRPr kumimoji="1" lang="en-US" altLang="zh-CN" dirty="0">
+              <a:solidFill>
+                <a:srgbClr val="FFFF00"/>
+              </a:solidFill>
+            </a:endParaRPr>
+          </a:p>
+        </p:txBody>
+      </p:sp>
+    </p:spTree>
+    <p:extLst>
+      <p:ext uri="{BB962C8B-B14F-4D97-AF65-F5344CB8AC3E}">
+        <p14:creationId xmlns:p14="http://schemas.microsoft.com/office/powerpoint/2010/main" val="2683243254"/>
+      </p:ext>
+    </p:extLst>
+  </p:cSld>
+  <p:clrMapOvr>
+    <a:masterClrMapping/>
+  </p:clrMapOvr>
+</p:sld>
+</file>
+
+<file path=ppt/slides/slide26.xml><?xml version="1.0" encoding="utf-8"?>
+<p:sld xmlns:a="http://schemas.openxmlformats.org/drawingml/2006/main" xmlns:r="http://schemas.openxmlformats.org/officeDocument/2006/relationships" xmlns:p="http://schemas.openxmlformats.org/presentationml/2006/main">
+  <p:cSld>
+    <p:spTree>
+      <p:nvGrpSpPr>
+        <p:cNvPr id="1" name=""/>
+        <p:cNvGrpSpPr/>
+        <p:nvPr/>
+      </p:nvGrpSpPr>
+      <p:grpSpPr>
+        <a:xfrm>
+          <a:off x="0" y="0"/>
+          <a:ext cx="0" cy="0"/>
+          <a:chOff x="0" y="0"/>
+          <a:chExt cx="0" cy="0"/>
+        </a:xfrm>
+      </p:grpSpPr>
+      <p:sp>
+        <p:nvSpPr>
+          <p:cNvPr id="2" name="标题 1">
+            <a:extLst>
+              <a:ext uri="{FF2B5EF4-FFF2-40B4-BE49-F238E27FC236}">
+                <a16:creationId xmlns:a16="http://schemas.microsoft.com/office/drawing/2014/main" id="{B277A0A2-DD42-3B4D-B7AC-31790C368AB0}"/>
+              </a:ext>
+            </a:extLst>
+          </p:cNvPr>
+          <p:cNvSpPr>
+            <a:spLocks noGrp="1"/>
+          </p:cNvSpPr>
+          <p:nvPr>
+            <p:ph type="title"/>
+          </p:nvPr>
+        </p:nvSpPr>
+        <p:spPr/>
+        <p:txBody>
+          <a:bodyPr/>
+          <a:lstStyle/>
+          <a:p>
+            <a:r>
+              <a:rPr kumimoji="1" lang="zh-CN" altLang="en-US"/>
+              <a:t>扩展自定义属性面板</a:t>
+            </a:r>
+          </a:p>
+        </p:txBody>
+      </p:sp>
+      <p:sp>
+        <p:nvSpPr>
+          <p:cNvPr id="3" name="内容占位符 2">
+            <a:extLst>
+              <a:ext uri="{FF2B5EF4-FFF2-40B4-BE49-F238E27FC236}">
+                <a16:creationId xmlns:a16="http://schemas.microsoft.com/office/drawing/2014/main" id="{A8D559E7-859D-F64D-8C4D-0B86D0F068FF}"/>
+              </a:ext>
+            </a:extLst>
+          </p:cNvPr>
+          <p:cNvSpPr>
+            <a:spLocks noGrp="1"/>
+          </p:cNvSpPr>
+          <p:nvPr>
+            <p:ph idx="1"/>
+          </p:nvPr>
+        </p:nvSpPr>
+        <p:spPr/>
+        <p:txBody>
+          <a:bodyPr/>
+          <a:lstStyle/>
+          <a:p>
+            <a:endParaRPr kumimoji="1" lang="zh-CN" altLang="en-US"/>
+          </a:p>
+        </p:txBody>
+      </p:sp>
+    </p:spTree>
+    <p:extLst>
+      <p:ext uri="{BB962C8B-B14F-4D97-AF65-F5344CB8AC3E}">
+        <p14:creationId xmlns:p14="http://schemas.microsoft.com/office/powerpoint/2010/main" val="2983068308"/>
+      </p:ext>
+    </p:extLst>
+  </p:cSld>
+  <p:clrMapOvr>
+    <a:masterClrMapping/>
+  </p:clrMapOvr>
+</p:sld>
+</file>
+
+<file path=ppt/slides/slide27.xml><?xml version="1.0" encoding="utf-8"?>
+<p:sld xmlns:a="http://schemas.openxmlformats.org/drawingml/2006/main" xmlns:r="http://schemas.openxmlformats.org/officeDocument/2006/relationships" xmlns:p="http://schemas.openxmlformats.org/presentationml/2006/main">
+  <p:cSld>
+    <p:spTree>
+      <p:nvGrpSpPr>
+        <p:cNvPr id="1" name=""/>
+        <p:cNvGrpSpPr/>
+        <p:nvPr/>
+      </p:nvGrpSpPr>
+      <p:grpSpPr>
+        <a:xfrm>
+          <a:off x="0" y="0"/>
+          <a:ext cx="0" cy="0"/>
+          <a:chOff x="0" y="0"/>
+          <a:chExt cx="0" cy="0"/>
+        </a:xfrm>
+      </p:grpSpPr>
+      <p:sp>
+        <p:nvSpPr>
+          <p:cNvPr id="2" name="标题 1">
+            <a:extLst>
+              <a:ext uri="{FF2B5EF4-FFF2-40B4-BE49-F238E27FC236}">
+                <a16:creationId xmlns:a16="http://schemas.microsoft.com/office/drawing/2014/main" id="{43482256-7608-DD4D-8160-1116C95D33EA}"/>
+              </a:ext>
+            </a:extLst>
+          </p:cNvPr>
+          <p:cNvSpPr>
+            <a:spLocks noGrp="1"/>
+          </p:cNvSpPr>
+          <p:nvPr>
+            <p:ph type="title"/>
+          </p:nvPr>
+        </p:nvSpPr>
+        <p:spPr/>
+        <p:txBody>
+          <a:bodyPr/>
+          <a:lstStyle/>
+          <a:p>
+            <a:r>
+              <a:rPr kumimoji="1" lang="zh-CN" altLang="en-US"/>
+              <a:t>个人插件源码解读</a:t>
+            </a:r>
+          </a:p>
+        </p:txBody>
+      </p:sp>
+      <p:sp>
+        <p:nvSpPr>
+          <p:cNvPr id="3" name="内容占位符 2">
+            <a:extLst>
+              <a:ext uri="{FF2B5EF4-FFF2-40B4-BE49-F238E27FC236}">
+                <a16:creationId xmlns:a16="http://schemas.microsoft.com/office/drawing/2014/main" id="{69EF708A-E911-7D4F-ADA4-A459731964ED}"/>
+              </a:ext>
+            </a:extLst>
+          </p:cNvPr>
+          <p:cNvSpPr>
+            <a:spLocks noGrp="1"/>
+          </p:cNvSpPr>
+          <p:nvPr>
+            <p:ph idx="1"/>
+          </p:nvPr>
+        </p:nvSpPr>
+        <p:spPr/>
+        <p:txBody>
+          <a:bodyPr/>
+          <a:lstStyle/>
+          <a:p>
+            <a:endParaRPr kumimoji="1" lang="zh-CN" altLang="en-US"/>
+          </a:p>
+        </p:txBody>
+      </p:sp>
+    </p:spTree>
+    <p:extLst>
+      <p:ext uri="{BB962C8B-B14F-4D97-AF65-F5344CB8AC3E}">
+        <p14:creationId xmlns:p14="http://schemas.microsoft.com/office/powerpoint/2010/main" val="4119868384"/>
       </p:ext>
     </p:extLst>
   </p:cSld>
